--- a/topic02-first-steps/unit-02a-lectures/talk-2/b-first-steps.pptx
+++ b/topic02-first-steps/unit-02a-lectures/talk-2/b-first-steps.pptx
@@ -5,10 +5,10 @@
     <p:sldMasterId id="2147483729" r:id="rId1"/>
   </p:sldMasterIdLst>
   <p:notesMasterIdLst>
-    <p:notesMasterId r:id="rId22"/>
+    <p:notesMasterId r:id="rId23"/>
   </p:notesMasterIdLst>
   <p:handoutMasterIdLst>
-    <p:handoutMasterId r:id="rId23"/>
+    <p:handoutMasterId r:id="rId24"/>
   </p:handoutMasterIdLst>
   <p:sldIdLst>
     <p:sldId id="308" r:id="rId2"/>
@@ -31,6 +31,7 @@
     <p:sldId id="301" r:id="rId19"/>
     <p:sldId id="315" r:id="rId20"/>
     <p:sldId id="316" r:id="rId21"/>
+    <p:sldId id="317" r:id="rId22"/>
   </p:sldIdLst>
   <p:sldSz cx="9144000" cy="6858000" type="screen4x3"/>
   <p:notesSz cx="7089775" cy="10218738"/>
@@ -585,14 +586,14 @@
           </a:ln>
           <a:extLst>
             <a:ext uri="{909E8E84-426E-40dd-AFC4-6F175D3DCCD1}">
-              <a14:hiddenFill xmlns:a14="http://schemas.microsoft.com/office/drawing/2010/main" xmlns="">
+              <a14:hiddenFill xmlns="" xmlns:a14="http://schemas.microsoft.com/office/drawing/2010/main">
                 <a:solidFill>
                   <a:srgbClr val="FFFFFF"/>
                 </a:solidFill>
               </a14:hiddenFill>
             </a:ext>
             <a:ext uri="{FAA26D3D-D897-4be2-8F04-BA451C77F1D7}">
-              <ma14:placeholderFlag xmlns:ma14="http://schemas.microsoft.com/office/mac/drawingml/2011/main" xmlns="" val="1"/>
+              <ma14:placeholderFlag xmlns="" xmlns:ma14="http://schemas.microsoft.com/office/mac/drawingml/2011/main" val="1"/>
             </a:ext>
           </a:extLst>
         </p:spPr>
@@ -1284,7 +1285,7 @@
               <a:pPr>
                 <a:defRPr/>
               </a:pPr>
-              <a:t>1/20/25</a:t>
+              <a:t>1/21/26</a:t>
             </a:fld>
             <a:endParaRPr lang="en-US" altLang="en-US"/>
           </a:p>
@@ -1714,7 +1715,7 @@
               <a:pPr>
                 <a:defRPr/>
               </a:pPr>
-              <a:t>1/20/25</a:t>
+              <a:t>1/21/26</a:t>
             </a:fld>
             <a:endParaRPr lang="en-US" altLang="en-US"/>
           </a:p>
@@ -2066,7 +2067,7 @@
               <a:pPr>
                 <a:defRPr/>
               </a:pPr>
-              <a:t>1/20/25</a:t>
+              <a:t>1/21/26</a:t>
             </a:fld>
             <a:endParaRPr lang="en-US" altLang="en-US"/>
           </a:p>
@@ -2487,7 +2488,7 @@
               <a:pPr>
                 <a:defRPr/>
               </a:pPr>
-              <a:t>1/20/25</a:t>
+              <a:t>1/21/26</a:t>
             </a:fld>
             <a:endParaRPr lang="en-US" altLang="en-US"/>
           </a:p>
@@ -3071,7 +3072,7 @@
               <a:pPr>
                 <a:defRPr/>
               </a:pPr>
-              <a:t>1/20/25</a:t>
+              <a:t>1/21/26</a:t>
             </a:fld>
             <a:endParaRPr lang="en-US" altLang="en-US"/>
           </a:p>
@@ -3768,7 +3769,7 @@
               <a:pPr>
                 <a:defRPr/>
               </a:pPr>
-              <a:t>1/20/25</a:t>
+              <a:t>1/21/26</a:t>
             </a:fld>
             <a:endParaRPr lang="en-US" altLang="en-US"/>
           </a:p>
@@ -4697,7 +4698,7 @@
               <a:pPr>
                 <a:defRPr/>
               </a:pPr>
-              <a:t>1/20/25</a:t>
+              <a:t>1/21/26</a:t>
             </a:fld>
             <a:endParaRPr lang="en-US" altLang="en-US"/>
           </a:p>
@@ -5026,7 +5027,7 @@
               <a:pPr>
                 <a:defRPr/>
               </a:pPr>
-              <a:t>1/20/25</a:t>
+              <a:t>1/21/26</a:t>
             </a:fld>
             <a:endParaRPr lang="en-US" altLang="en-US"/>
           </a:p>
@@ -5308,7 +5309,7 @@
               <a:pPr>
                 <a:defRPr/>
               </a:pPr>
-              <a:t>1/20/25</a:t>
+              <a:t>1/21/26</a:t>
             </a:fld>
             <a:endParaRPr lang="en-US" altLang="en-US"/>
           </a:p>
@@ -5512,6 +5513,13 @@
             <a:schemeClr val="lt1"/>
           </a:fontRef>
         </p:style>
+        <p:txBody>
+          <a:bodyPr/>
+          <a:lstStyle/>
+          <a:p>
+            <a:endParaRPr lang="en-US"/>
+          </a:p>
+        </p:txBody>
       </p:sp>
       <p:sp>
         <p:nvSpPr>
@@ -5550,6 +5558,13 @@
             <a:schemeClr val="lt1"/>
           </a:fontRef>
         </p:style>
+        <p:txBody>
+          <a:bodyPr/>
+          <a:lstStyle/>
+          <a:p>
+            <a:endParaRPr lang="en-US"/>
+          </a:p>
+        </p:txBody>
       </p:sp>
       <p:sp>
         <p:nvSpPr>
@@ -5649,7 +5664,7 @@
               <a:pPr>
                 <a:defRPr/>
               </a:pPr>
-              <a:t>1/20/25</a:t>
+              <a:t>1/21/26</a:t>
             </a:fld>
             <a:endParaRPr lang="en-US" altLang="en-US"/>
           </a:p>
@@ -6053,7 +6068,7 @@
               <a:pPr>
                 <a:defRPr/>
               </a:pPr>
-              <a:t>1/20/25</a:t>
+              <a:t>1/21/26</a:t>
             </a:fld>
             <a:endParaRPr lang="en-US" altLang="en-US"/>
           </a:p>
@@ -6444,7 +6459,7 @@
               <a:pPr>
                 <a:defRPr/>
               </a:pPr>
-              <a:t>1/20/25</a:t>
+              <a:t>1/21/26</a:t>
             </a:fld>
             <a:endParaRPr lang="en-US" altLang="en-US"/>
           </a:p>
@@ -6965,7 +6980,7 @@
               <a:pPr>
                 <a:defRPr/>
               </a:pPr>
-              <a:t>1/20/25</a:t>
+              <a:t>1/21/26</a:t>
             </a:fld>
             <a:endParaRPr lang="en-US" altLang="en-US"/>
           </a:p>
@@ -7152,6 +7167,13 @@
             <a:schemeClr val="lt1"/>
           </a:fontRef>
         </p:style>
+        <p:txBody>
+          <a:bodyPr/>
+          <a:lstStyle/>
+          <a:p>
+            <a:endParaRPr lang="en-US"/>
+          </a:p>
+        </p:txBody>
       </p:sp>
       <p:sp>
         <p:nvSpPr>
@@ -7190,6 +7212,13 @@
             <a:schemeClr val="lt1"/>
           </a:fontRef>
         </p:style>
+        <p:txBody>
+          <a:bodyPr/>
+          <a:lstStyle/>
+          <a:p>
+            <a:endParaRPr lang="en-US"/>
+          </a:p>
+        </p:txBody>
       </p:sp>
       <p:sp>
         <p:nvSpPr>
@@ -7237,7 +7266,7 @@
               <a:pPr>
                 <a:defRPr/>
               </a:pPr>
-              <a:t>1/20/25</a:t>
+              <a:t>1/21/26</a:t>
             </a:fld>
             <a:endParaRPr lang="en-US" altLang="en-US"/>
           </a:p>
@@ -7391,6 +7420,13 @@
             <a:schemeClr val="lt1"/>
           </a:fontRef>
         </p:style>
+        <p:txBody>
+          <a:bodyPr/>
+          <a:lstStyle/>
+          <a:p>
+            <a:endParaRPr lang="en-US"/>
+          </a:p>
+        </p:txBody>
       </p:sp>
       <p:sp>
         <p:nvSpPr>
@@ -7415,7 +7451,7 @@
               <a:pPr>
                 <a:defRPr/>
               </a:pPr>
-              <a:t>1/20/25</a:t>
+              <a:t>1/21/26</a:t>
             </a:fld>
             <a:endParaRPr lang="en-US" altLang="en-US"/>
           </a:p>
@@ -7820,7 +7856,7 @@
               <a:pPr>
                 <a:defRPr/>
               </a:pPr>
-              <a:t>1/20/25</a:t>
+              <a:t>1/21/26</a:t>
             </a:fld>
             <a:endParaRPr lang="en-US" altLang="en-US"/>
           </a:p>
@@ -8247,7 +8283,7 @@
               <a:pPr>
                 <a:defRPr/>
               </a:pPr>
-              <a:t>1/20/25</a:t>
+              <a:t>1/21/26</a:t>
             </a:fld>
             <a:endParaRPr lang="en-US" altLang="en-US"/>
           </a:p>
@@ -8509,7 +8545,7 @@
               <a:pPr>
                 <a:defRPr/>
               </a:pPr>
-              <a:t>1/20/25</a:t>
+              <a:t>1/21/26</a:t>
             </a:fld>
             <a:endParaRPr lang="en-US" altLang="en-US"/>
           </a:p>
@@ -8950,14 +8986,14 @@
           <a:ln/>
           <a:extLst>
             <a:ext uri="{909E8E84-426E-40dd-AFC4-6F175D3DCCD1}">
-              <a14:hiddenFill xmlns:a14="http://schemas.microsoft.com/office/drawing/2010/main" xmlns="">
+              <a14:hiddenFill xmlns="" xmlns:a14="http://schemas.microsoft.com/office/drawing/2010/main">
                 <a:solidFill>
                   <a:srgbClr val="FFFFFF"/>
                 </a:solidFill>
               </a14:hiddenFill>
             </a:ext>
             <a:ext uri="{91240B29-F687-4f45-9708-019B960494DF}">
-              <a14:hiddenLine xmlns:a14="http://schemas.microsoft.com/office/drawing/2010/main" xmlns="" w="9525">
+              <a14:hiddenLine xmlns="" xmlns:a14="http://schemas.microsoft.com/office/drawing/2010/main" w="9525">
                 <a:solidFill>
                   <a:srgbClr val="000000"/>
                 </a:solidFill>
@@ -9110,14 +9146,14 @@
           </a:ln>
           <a:extLst>
             <a:ext uri="{909E8E84-426E-40dd-AFC4-6F175D3DCCD1}">
-              <a14:hiddenFill xmlns:a14="http://schemas.microsoft.com/office/drawing/2010/main" xmlns="">
+              <a14:hiddenFill xmlns="" xmlns:a14="http://schemas.microsoft.com/office/drawing/2010/main">
                 <a:solidFill>
                   <a:srgbClr val="FFFFFF"/>
                 </a:solidFill>
               </a14:hiddenFill>
             </a:ext>
             <a:ext uri="{91240B29-F687-4f45-9708-019B960494DF}">
-              <a14:hiddenLine xmlns:a14="http://schemas.microsoft.com/office/drawing/2010/main" xmlns="" w="9525">
+              <a14:hiddenLine xmlns="" xmlns:a14="http://schemas.microsoft.com/office/drawing/2010/main" w="9525">
                 <a:solidFill>
                   <a:srgbClr val="000000"/>
                 </a:solidFill>
@@ -9276,14 +9312,14 @@
           </a:ln>
           <a:extLst>
             <a:ext uri="{909E8E84-426E-40dd-AFC4-6F175D3DCCD1}">
-              <a14:hiddenFill xmlns:a14="http://schemas.microsoft.com/office/drawing/2010/main" xmlns="">
+              <a14:hiddenFill xmlns="" xmlns:a14="http://schemas.microsoft.com/office/drawing/2010/main">
                 <a:solidFill>
                   <a:srgbClr val="FFFFFF"/>
                 </a:solidFill>
               </a14:hiddenFill>
             </a:ext>
             <a:ext uri="{91240B29-F687-4f45-9708-019B960494DF}">
-              <a14:hiddenLine xmlns:a14="http://schemas.microsoft.com/office/drawing/2010/main" xmlns="" w="9525">
+              <a14:hiddenLine xmlns="" xmlns:a14="http://schemas.microsoft.com/office/drawing/2010/main" w="9525">
                 <a:solidFill>
                   <a:srgbClr val="000000"/>
                 </a:solidFill>
@@ -9348,14 +9384,14 @@
           </a:ln>
           <a:extLst>
             <a:ext uri="{909E8E84-426E-40dd-AFC4-6F175D3DCCD1}">
-              <a14:hiddenFill xmlns:a14="http://schemas.microsoft.com/office/drawing/2010/main" xmlns="">
+              <a14:hiddenFill xmlns="" xmlns:a14="http://schemas.microsoft.com/office/drawing/2010/main">
                 <a:solidFill>
                   <a:srgbClr val="FFFFFF"/>
                 </a:solidFill>
               </a14:hiddenFill>
             </a:ext>
             <a:ext uri="{91240B29-F687-4f45-9708-019B960494DF}">
-              <a14:hiddenLine xmlns:a14="http://schemas.microsoft.com/office/drawing/2010/main" xmlns="" w="9525">
+              <a14:hiddenLine xmlns="" xmlns:a14="http://schemas.microsoft.com/office/drawing/2010/main" w="9525">
                 <a:solidFill>
                   <a:srgbClr val="000000"/>
                 </a:solidFill>
@@ -9412,14 +9448,14 @@
           <a:ln/>
           <a:extLst>
             <a:ext uri="{909E8E84-426E-40dd-AFC4-6F175D3DCCD1}">
-              <a14:hiddenFill xmlns:a14="http://schemas.microsoft.com/office/drawing/2010/main" xmlns="">
+              <a14:hiddenFill xmlns="" xmlns:a14="http://schemas.microsoft.com/office/drawing/2010/main">
                 <a:solidFill>
                   <a:srgbClr val="FFFFFF"/>
                 </a:solidFill>
               </a14:hiddenFill>
             </a:ext>
             <a:ext uri="{91240B29-F687-4f45-9708-019B960494DF}">
-              <a14:hiddenLine xmlns:a14="http://schemas.microsoft.com/office/drawing/2010/main" xmlns="" w="9525">
+              <a14:hiddenLine xmlns="" xmlns:a14="http://schemas.microsoft.com/office/drawing/2010/main" w="9525">
                 <a:solidFill>
                   <a:srgbClr val="000000"/>
                 </a:solidFill>
@@ -9572,14 +9608,14 @@
           </a:ln>
           <a:extLst>
             <a:ext uri="{909E8E84-426E-40dd-AFC4-6F175D3DCCD1}">
-              <a14:hiddenFill xmlns:a14="http://schemas.microsoft.com/office/drawing/2010/main" xmlns="">
+              <a14:hiddenFill xmlns="" xmlns:a14="http://schemas.microsoft.com/office/drawing/2010/main">
                 <a:solidFill>
                   <a:srgbClr val="FFFFFF"/>
                 </a:solidFill>
               </a14:hiddenFill>
             </a:ext>
             <a:ext uri="{91240B29-F687-4f45-9708-019B960494DF}">
-              <a14:hiddenLine xmlns:a14="http://schemas.microsoft.com/office/drawing/2010/main" xmlns="" w="12700" cap="sq">
+              <a14:hiddenLine xmlns="" xmlns:a14="http://schemas.microsoft.com/office/drawing/2010/main" w="12700" cap="sq">
                 <a:solidFill>
                   <a:srgbClr val="000000"/>
                 </a:solidFill>
@@ -9742,7 +9778,7 @@
           </a:ln>
           <a:extLst>
             <a:ext uri="{91240B29-F687-4f45-9708-019B960494DF}">
-              <a14:hiddenLine xmlns:a14="http://schemas.microsoft.com/office/drawing/2010/main" xmlns="" w="12700" cap="sq">
+              <a14:hiddenLine xmlns="" xmlns:a14="http://schemas.microsoft.com/office/drawing/2010/main" w="12700" cap="sq">
                 <a:solidFill>
                   <a:srgbClr val="000000"/>
                 </a:solidFill>
@@ -9906,7 +9942,7 @@
           </a:ln>
           <a:extLst>
             <a:ext uri="{909E8E84-426E-40dd-AFC4-6F175D3DCCD1}">
-              <a14:hiddenFill xmlns:a14="http://schemas.microsoft.com/office/drawing/2010/main" xmlns="">
+              <a14:hiddenFill xmlns="" xmlns:a14="http://schemas.microsoft.com/office/drawing/2010/main">
                 <a:solidFill>
                   <a:srgbClr val="FFFFFF"/>
                 </a:solidFill>
@@ -10036,14 +10072,14 @@
           <a:ln/>
           <a:extLst>
             <a:ext uri="{909E8E84-426E-40dd-AFC4-6F175D3DCCD1}">
-              <a14:hiddenFill xmlns:a14="http://schemas.microsoft.com/office/drawing/2010/main" xmlns="">
+              <a14:hiddenFill xmlns="" xmlns:a14="http://schemas.microsoft.com/office/drawing/2010/main">
                 <a:solidFill>
                   <a:srgbClr val="FFFFFF"/>
                 </a:solidFill>
               </a14:hiddenFill>
             </a:ext>
             <a:ext uri="{91240B29-F687-4f45-9708-019B960494DF}">
-              <a14:hiddenLine xmlns:a14="http://schemas.microsoft.com/office/drawing/2010/main" xmlns="" w="9525">
+              <a14:hiddenLine xmlns="" xmlns:a14="http://schemas.microsoft.com/office/drawing/2010/main" w="9525">
                 <a:solidFill>
                   <a:srgbClr val="000000"/>
                 </a:solidFill>
@@ -10212,14 +10248,14 @@
             </a:ln>
             <a:extLst>
               <a:ext uri="{909E8E84-426E-40dd-AFC4-6F175D3DCCD1}">
-                <a14:hiddenFill xmlns:a14="http://schemas.microsoft.com/office/drawing/2010/main" xmlns="">
+                <a14:hiddenFill xmlns="" xmlns:a14="http://schemas.microsoft.com/office/drawing/2010/main">
                   <a:solidFill>
                     <a:srgbClr val="FFFFFF"/>
                   </a:solidFill>
                 </a14:hiddenFill>
               </a:ext>
               <a:ext uri="{91240B29-F687-4f45-9708-019B960494DF}">
-                <a14:hiddenLine xmlns:a14="http://schemas.microsoft.com/office/drawing/2010/main" xmlns="" w="12700" cap="sq">
+                <a14:hiddenLine xmlns="" xmlns:a14="http://schemas.microsoft.com/office/drawing/2010/main" w="12700" cap="sq">
                   <a:solidFill>
                     <a:srgbClr val="000000"/>
                   </a:solidFill>
@@ -10373,14 +10409,14 @@
             </a:ln>
             <a:extLst>
               <a:ext uri="{909E8E84-426E-40dd-AFC4-6F175D3DCCD1}">
-                <a14:hiddenFill xmlns:a14="http://schemas.microsoft.com/office/drawing/2010/main" xmlns="">
+                <a14:hiddenFill xmlns="" xmlns:a14="http://schemas.microsoft.com/office/drawing/2010/main">
                   <a:solidFill>
                     <a:srgbClr val="FFFFFF"/>
                   </a:solidFill>
                 </a14:hiddenFill>
               </a:ext>
               <a:ext uri="{91240B29-F687-4f45-9708-019B960494DF}">
-                <a14:hiddenLine xmlns:a14="http://schemas.microsoft.com/office/drawing/2010/main" xmlns="" w="12700" cap="sq">
+                <a14:hiddenLine xmlns="" xmlns:a14="http://schemas.microsoft.com/office/drawing/2010/main" w="12700" cap="sq">
                   <a:solidFill>
                     <a:srgbClr val="000000"/>
                   </a:solidFill>
@@ -10537,7 +10573,7 @@
             </a:ln>
             <a:extLst>
               <a:ext uri="{91240B29-F687-4f45-9708-019B960494DF}">
-                <a14:hiddenLine xmlns:a14="http://schemas.microsoft.com/office/drawing/2010/main" xmlns="" w="12700" cap="sq">
+                <a14:hiddenLine xmlns="" xmlns:a14="http://schemas.microsoft.com/office/drawing/2010/main" w="12700" cap="sq">
                   <a:solidFill>
                     <a:srgbClr val="000000"/>
                   </a:solidFill>
@@ -10695,7 +10731,7 @@
             </a:ln>
             <a:extLst>
               <a:ext uri="{91240B29-F687-4f45-9708-019B960494DF}">
-                <a14:hiddenLine xmlns:a14="http://schemas.microsoft.com/office/drawing/2010/main" xmlns="" w="12700" cap="sq">
+                <a14:hiddenLine xmlns="" xmlns:a14="http://schemas.microsoft.com/office/drawing/2010/main" w="12700" cap="sq">
                   <a:solidFill>
                     <a:srgbClr val="000000"/>
                   </a:solidFill>
@@ -10853,7 +10889,7 @@
             </a:ln>
             <a:extLst>
               <a:ext uri="{91240B29-F687-4f45-9708-019B960494DF}">
-                <a14:hiddenLine xmlns:a14="http://schemas.microsoft.com/office/drawing/2010/main" xmlns="" w="12700" cap="sq">
+                <a14:hiddenLine xmlns="" xmlns:a14="http://schemas.microsoft.com/office/drawing/2010/main" w="12700" cap="sq">
                   <a:solidFill>
                     <a:srgbClr val="000000"/>
                   </a:solidFill>
@@ -11011,7 +11047,7 @@
             </a:ln>
             <a:extLst>
               <a:ext uri="{91240B29-F687-4f45-9708-019B960494DF}">
-                <a14:hiddenLine xmlns:a14="http://schemas.microsoft.com/office/drawing/2010/main" xmlns="" w="12700" cap="sq">
+                <a14:hiddenLine xmlns="" xmlns:a14="http://schemas.microsoft.com/office/drawing/2010/main" w="12700" cap="sq">
                   <a:solidFill>
                     <a:srgbClr val="000000"/>
                   </a:solidFill>
@@ -11169,7 +11205,7 @@
             </a:ln>
             <a:extLst>
               <a:ext uri="{91240B29-F687-4f45-9708-019B960494DF}">
-                <a14:hiddenLine xmlns:a14="http://schemas.microsoft.com/office/drawing/2010/main" xmlns="" w="12700" cap="sq">
+                <a14:hiddenLine xmlns="" xmlns:a14="http://schemas.microsoft.com/office/drawing/2010/main" w="12700" cap="sq">
                   <a:solidFill>
                     <a:srgbClr val="000000"/>
                   </a:solidFill>
@@ -11327,7 +11363,7 @@
             </a:ln>
             <a:extLst>
               <a:ext uri="{91240B29-F687-4f45-9708-019B960494DF}">
-                <a14:hiddenLine xmlns:a14="http://schemas.microsoft.com/office/drawing/2010/main" xmlns="" w="12700" cap="sq">
+                <a14:hiddenLine xmlns="" xmlns:a14="http://schemas.microsoft.com/office/drawing/2010/main" w="12700" cap="sq">
                   <a:solidFill>
                     <a:srgbClr val="000000"/>
                   </a:solidFill>
@@ -11485,7 +11521,7 @@
             </a:ln>
             <a:extLst>
               <a:ext uri="{91240B29-F687-4f45-9708-019B960494DF}">
-                <a14:hiddenLine xmlns:a14="http://schemas.microsoft.com/office/drawing/2010/main" xmlns="" w="12700" cap="sq">
+                <a14:hiddenLine xmlns="" xmlns:a14="http://schemas.microsoft.com/office/drawing/2010/main" w="12700" cap="sq">
                   <a:solidFill>
                     <a:srgbClr val="000000"/>
                   </a:solidFill>
@@ -11643,7 +11679,7 @@
             </a:ln>
             <a:extLst>
               <a:ext uri="{91240B29-F687-4f45-9708-019B960494DF}">
-                <a14:hiddenLine xmlns:a14="http://schemas.microsoft.com/office/drawing/2010/main" xmlns="" w="12700" cap="sq">
+                <a14:hiddenLine xmlns="" xmlns:a14="http://schemas.microsoft.com/office/drawing/2010/main" w="12700" cap="sq">
                   <a:solidFill>
                     <a:srgbClr val="000000"/>
                   </a:solidFill>
@@ -11801,7 +11837,7 @@
             </a:ln>
             <a:extLst>
               <a:ext uri="{91240B29-F687-4f45-9708-019B960494DF}">
-                <a14:hiddenLine xmlns:a14="http://schemas.microsoft.com/office/drawing/2010/main" xmlns="" w="12700" cap="sq">
+                <a14:hiddenLine xmlns="" xmlns:a14="http://schemas.microsoft.com/office/drawing/2010/main" w="12700" cap="sq">
                   <a:solidFill>
                     <a:srgbClr val="000000"/>
                   </a:solidFill>
@@ -11959,7 +11995,7 @@
             </a:ln>
             <a:extLst>
               <a:ext uri="{91240B29-F687-4f45-9708-019B960494DF}">
-                <a14:hiddenLine xmlns:a14="http://schemas.microsoft.com/office/drawing/2010/main" xmlns="" w="12700" cap="sq">
+                <a14:hiddenLine xmlns="" xmlns:a14="http://schemas.microsoft.com/office/drawing/2010/main" w="12700" cap="sq">
                   <a:solidFill>
                     <a:srgbClr val="000000"/>
                   </a:solidFill>
@@ -12317,14 +12353,14 @@
           <a:ln/>
           <a:extLst>
             <a:ext uri="{909E8E84-426E-40dd-AFC4-6F175D3DCCD1}">
-              <a14:hiddenFill xmlns:a14="http://schemas.microsoft.com/office/drawing/2010/main" xmlns="">
+              <a14:hiddenFill xmlns="" xmlns:a14="http://schemas.microsoft.com/office/drawing/2010/main">
                 <a:solidFill>
                   <a:srgbClr val="FFFFFF"/>
                 </a:solidFill>
               </a14:hiddenFill>
             </a:ext>
             <a:ext uri="{91240B29-F687-4f45-9708-019B960494DF}">
-              <a14:hiddenLine xmlns:a14="http://schemas.microsoft.com/office/drawing/2010/main" xmlns="" w="9525">
+              <a14:hiddenLine xmlns="" xmlns:a14="http://schemas.microsoft.com/office/drawing/2010/main" w="9525">
                 <a:solidFill>
                   <a:srgbClr val="000000"/>
                 </a:solidFill>
@@ -12485,7 +12521,7 @@
           </a:ln>
           <a:extLst>
             <a:ext uri="{91240B29-F687-4f45-9708-019B960494DF}">
-              <a14:hiddenLine xmlns:a14="http://schemas.microsoft.com/office/drawing/2010/main" xmlns="" w="12700" cap="sq">
+              <a14:hiddenLine xmlns="" xmlns:a14="http://schemas.microsoft.com/office/drawing/2010/main" w="12700" cap="sq">
                 <a:solidFill>
                   <a:srgbClr val="000000"/>
                 </a:solidFill>
@@ -12656,7 +12692,7 @@
           </a:ln>
           <a:extLst>
             <a:ext uri="{91240B29-F687-4f45-9708-019B960494DF}">
-              <a14:hiddenLine xmlns:a14="http://schemas.microsoft.com/office/drawing/2010/main" xmlns="" w="12700" cap="sq">
+              <a14:hiddenLine xmlns="" xmlns:a14="http://schemas.microsoft.com/office/drawing/2010/main" w="12700" cap="sq">
                 <a:solidFill>
                   <a:srgbClr val="000000"/>
                 </a:solidFill>
@@ -13667,14 +13703,14 @@
           <a:ln/>
           <a:extLst>
             <a:ext uri="{909E8E84-426E-40dd-AFC4-6F175D3DCCD1}">
-              <a14:hiddenFill xmlns:a14="http://schemas.microsoft.com/office/drawing/2010/main" xmlns="">
+              <a14:hiddenFill xmlns="" xmlns:a14="http://schemas.microsoft.com/office/drawing/2010/main">
                 <a:solidFill>
                   <a:srgbClr val="FFFFFF"/>
                 </a:solidFill>
               </a14:hiddenFill>
             </a:ext>
             <a:ext uri="{91240B29-F687-4f45-9708-019B960494DF}">
-              <a14:hiddenLine xmlns:a14="http://schemas.microsoft.com/office/drawing/2010/main" xmlns="" w="9525">
+              <a14:hiddenLine xmlns="" xmlns:a14="http://schemas.microsoft.com/office/drawing/2010/main" w="9525">
                 <a:solidFill>
                   <a:srgbClr val="000000"/>
                 </a:solidFill>
@@ -13829,7 +13865,7 @@
           </a:ln>
           <a:extLst>
             <a:ext uri="{91240B29-F687-4f45-9708-019B960494DF}">
-              <a14:hiddenLine xmlns:a14="http://schemas.microsoft.com/office/drawing/2010/main" xmlns="" w="12700" cap="sq">
+              <a14:hiddenLine xmlns="" xmlns:a14="http://schemas.microsoft.com/office/drawing/2010/main" w="12700" cap="sq">
                 <a:solidFill>
                   <a:srgbClr val="000000"/>
                 </a:solidFill>
@@ -13877,14 +13913,14 @@
           </a:ln>
           <a:extLst>
             <a:ext uri="{909E8E84-426E-40dd-AFC4-6F175D3DCCD1}">
-              <a14:hiddenFill xmlns:a14="http://schemas.microsoft.com/office/drawing/2010/main" xmlns="">
+              <a14:hiddenFill xmlns="" xmlns:a14="http://schemas.microsoft.com/office/drawing/2010/main">
                 <a:solidFill>
                   <a:srgbClr val="FFFFFF"/>
                 </a:solidFill>
               </a14:hiddenFill>
             </a:ext>
             <a:ext uri="{91240B29-F687-4f45-9708-019B960494DF}">
-              <a14:hiddenLine xmlns:a14="http://schemas.microsoft.com/office/drawing/2010/main" xmlns="" w="12700" cap="sq">
+              <a14:hiddenLine xmlns="" xmlns:a14="http://schemas.microsoft.com/office/drawing/2010/main" w="12700" cap="sq">
                 <a:solidFill>
                   <a:srgbClr val="000000"/>
                 </a:solidFill>
@@ -14109,14 +14145,14 @@
           </a:ln>
           <a:extLst>
             <a:ext uri="{909E8E84-426E-40dd-AFC4-6F175D3DCCD1}">
-              <a14:hiddenFill xmlns:a14="http://schemas.microsoft.com/office/drawing/2010/main" xmlns="">
+              <a14:hiddenFill xmlns="" xmlns:a14="http://schemas.microsoft.com/office/drawing/2010/main">
                 <a:solidFill>
                   <a:srgbClr val="FFFFFF"/>
                 </a:solidFill>
               </a14:hiddenFill>
             </a:ext>
             <a:ext uri="{91240B29-F687-4f45-9708-019B960494DF}">
-              <a14:hiddenLine xmlns:a14="http://schemas.microsoft.com/office/drawing/2010/main" xmlns="" w="9525">
+              <a14:hiddenLine xmlns="" xmlns:a14="http://schemas.microsoft.com/office/drawing/2010/main" w="9525">
                 <a:solidFill>
                   <a:srgbClr val="000000"/>
                 </a:solidFill>
@@ -14241,7 +14277,7 @@
           </a:ln>
           <a:extLst>
             <a:ext uri="{91240B29-F687-4f45-9708-019B960494DF}">
-              <a14:hiddenLine xmlns:a14="http://schemas.microsoft.com/office/drawing/2010/main" xmlns="" w="12700" cap="sq">
+              <a14:hiddenLine xmlns="" xmlns:a14="http://schemas.microsoft.com/office/drawing/2010/main" w="12700" cap="sq">
                 <a:solidFill>
                   <a:srgbClr val="000000"/>
                 </a:solidFill>
@@ -15025,14 +15061,14 @@
           <a:ln/>
           <a:extLst>
             <a:ext uri="{909E8E84-426E-40dd-AFC4-6F175D3DCCD1}">
-              <a14:hiddenFill xmlns:a14="http://schemas.microsoft.com/office/drawing/2010/main" xmlns="">
+              <a14:hiddenFill xmlns="" xmlns:a14="http://schemas.microsoft.com/office/drawing/2010/main">
                 <a:solidFill>
                   <a:srgbClr val="FFFFFF"/>
                 </a:solidFill>
               </a14:hiddenFill>
             </a:ext>
             <a:ext uri="{91240B29-F687-4f45-9708-019B960494DF}">
-              <a14:hiddenLine xmlns:a14="http://schemas.microsoft.com/office/drawing/2010/main" xmlns="" w="9525">
+              <a14:hiddenLine xmlns="" xmlns:a14="http://schemas.microsoft.com/office/drawing/2010/main" w="9525">
                 <a:solidFill>
                   <a:srgbClr val="000000"/>
                 </a:solidFill>
@@ -15185,14 +15221,14 @@
           </a:ln>
           <a:extLst>
             <a:ext uri="{909E8E84-426E-40dd-AFC4-6F175D3DCCD1}">
-              <a14:hiddenFill xmlns:a14="http://schemas.microsoft.com/office/drawing/2010/main" xmlns="">
+              <a14:hiddenFill xmlns="" xmlns:a14="http://schemas.microsoft.com/office/drawing/2010/main">
                 <a:solidFill>
                   <a:srgbClr val="FFFFFF"/>
                 </a:solidFill>
               </a14:hiddenFill>
             </a:ext>
             <a:ext uri="{91240B29-F687-4f45-9708-019B960494DF}">
-              <a14:hiddenLine xmlns:a14="http://schemas.microsoft.com/office/drawing/2010/main" xmlns="" w="12700" cap="sq">
+              <a14:hiddenLine xmlns="" xmlns:a14="http://schemas.microsoft.com/office/drawing/2010/main" w="12700" cap="sq">
                 <a:solidFill>
                   <a:srgbClr val="000000"/>
                 </a:solidFill>
@@ -15689,14 +15725,14 @@
           <a:ln/>
           <a:extLst>
             <a:ext uri="{909E8E84-426E-40dd-AFC4-6F175D3DCCD1}">
-              <a14:hiddenFill xmlns:a14="http://schemas.microsoft.com/office/drawing/2010/main" xmlns="">
+              <a14:hiddenFill xmlns="" xmlns:a14="http://schemas.microsoft.com/office/drawing/2010/main">
                 <a:solidFill>
                   <a:srgbClr val="FFFFFF"/>
                 </a:solidFill>
               </a14:hiddenFill>
             </a:ext>
             <a:ext uri="{91240B29-F687-4f45-9708-019B960494DF}">
-              <a14:hiddenLine xmlns:a14="http://schemas.microsoft.com/office/drawing/2010/main" xmlns="" w="9525">
+              <a14:hiddenLine xmlns="" xmlns:a14="http://schemas.microsoft.com/office/drawing/2010/main" w="9525">
                 <a:solidFill>
                   <a:srgbClr val="000000"/>
                 </a:solidFill>
@@ -15851,7 +15887,7 @@
           </a:ln>
           <a:extLst>
             <a:ext uri="{91240B29-F687-4f45-9708-019B960494DF}">
-              <a14:hiddenLine xmlns:a14="http://schemas.microsoft.com/office/drawing/2010/main" xmlns="" w="12700" cap="sq">
+              <a14:hiddenLine xmlns="" xmlns:a14="http://schemas.microsoft.com/office/drawing/2010/main" w="12700" cap="sq">
                 <a:solidFill>
                   <a:srgbClr val="000000"/>
                 </a:solidFill>
@@ -16012,7 +16048,7 @@
           </a:ln>
           <a:extLst>
             <a:ext uri="{91240B29-F687-4f45-9708-019B960494DF}">
-              <a14:hiddenLine xmlns:a14="http://schemas.microsoft.com/office/drawing/2010/main" xmlns="" w="12700" cap="sq">
+              <a14:hiddenLine xmlns="" xmlns:a14="http://schemas.microsoft.com/office/drawing/2010/main" w="12700" cap="sq">
                 <a:solidFill>
                   <a:srgbClr val="000000"/>
                 </a:solidFill>
@@ -16170,7 +16206,7 @@
           </a:ln>
           <a:extLst>
             <a:ext uri="{91240B29-F687-4f45-9708-019B960494DF}">
-              <a14:hiddenLine xmlns:a14="http://schemas.microsoft.com/office/drawing/2010/main" xmlns="" w="12700" cap="sq">
+              <a14:hiddenLine xmlns="" xmlns:a14="http://schemas.microsoft.com/office/drawing/2010/main" w="12700" cap="sq">
                 <a:solidFill>
                   <a:srgbClr val="000000"/>
                 </a:solidFill>
@@ -16328,7 +16364,7 @@
           </a:ln>
           <a:extLst>
             <a:ext uri="{91240B29-F687-4f45-9708-019B960494DF}">
-              <a14:hiddenLine xmlns:a14="http://schemas.microsoft.com/office/drawing/2010/main" xmlns="" w="12700" cap="sq">
+              <a14:hiddenLine xmlns="" xmlns:a14="http://schemas.microsoft.com/office/drawing/2010/main" w="12700" cap="sq">
                 <a:solidFill>
                   <a:srgbClr val="000000"/>
                 </a:solidFill>
@@ -16493,14 +16529,14 @@
           </a:ln>
           <a:extLst>
             <a:ext uri="{909E8E84-426E-40dd-AFC4-6F175D3DCCD1}">
-              <a14:hiddenFill xmlns:a14="http://schemas.microsoft.com/office/drawing/2010/main" xmlns="">
+              <a14:hiddenFill xmlns="" xmlns:a14="http://schemas.microsoft.com/office/drawing/2010/main">
                 <a:solidFill>
                   <a:srgbClr val="FFFFFF"/>
                 </a:solidFill>
               </a14:hiddenFill>
             </a:ext>
             <a:ext uri="{91240B29-F687-4f45-9708-019B960494DF}">
-              <a14:hiddenLine xmlns:a14="http://schemas.microsoft.com/office/drawing/2010/main" xmlns="" w="9525">
+              <a14:hiddenLine xmlns="" xmlns:a14="http://schemas.microsoft.com/office/drawing/2010/main" w="9525">
                 <a:solidFill>
                   <a:srgbClr val="000000"/>
                 </a:solidFill>
@@ -16580,7 +16616,7 @@
             </a:ln>
             <a:extLst>
               <a:ext uri="{91240B29-F687-4f45-9708-019B960494DF}">
-                <a14:hiddenLine xmlns:a14="http://schemas.microsoft.com/office/drawing/2010/main" xmlns="" w="12700" cap="sq">
+                <a14:hiddenLine xmlns="" xmlns:a14="http://schemas.microsoft.com/office/drawing/2010/main" w="12700" cap="sq">
                   <a:solidFill>
                     <a:srgbClr val="000000"/>
                   </a:solidFill>
@@ -16738,7 +16774,7 @@
             </a:ln>
             <a:extLst>
               <a:ext uri="{91240B29-F687-4f45-9708-019B960494DF}">
-                <a14:hiddenLine xmlns:a14="http://schemas.microsoft.com/office/drawing/2010/main" xmlns="" w="12700" cap="sq">
+                <a14:hiddenLine xmlns="" xmlns:a14="http://schemas.microsoft.com/office/drawing/2010/main" w="12700" cap="sq">
                   <a:solidFill>
                     <a:srgbClr val="000000"/>
                   </a:solidFill>
@@ -16896,7 +16932,7 @@
             </a:ln>
             <a:extLst>
               <a:ext uri="{91240B29-F687-4f45-9708-019B960494DF}">
-                <a14:hiddenLine xmlns:a14="http://schemas.microsoft.com/office/drawing/2010/main" xmlns="" w="12700" cap="sq">
+                <a14:hiddenLine xmlns="" xmlns:a14="http://schemas.microsoft.com/office/drawing/2010/main" w="12700" cap="sq">
                   <a:solidFill>
                     <a:srgbClr val="000000"/>
                   </a:solidFill>
@@ -17259,7 +17295,7 @@
           </a:ln>
           <a:extLst>
             <a:ext uri="{91240B29-F687-4f45-9708-019B960494DF}">
-              <a14:hiddenLine xmlns:a14="http://schemas.microsoft.com/office/drawing/2010/main" xmlns="" w="12700" cap="sq">
+              <a14:hiddenLine xmlns="" xmlns:a14="http://schemas.microsoft.com/office/drawing/2010/main" w="12700" cap="sq">
                 <a:solidFill>
                   <a:srgbClr val="000000"/>
                 </a:solidFill>
@@ -17828,7 +17864,7 @@
           </a:ln>
           <a:extLst>
             <a:ext uri="{91240B29-F687-4f45-9708-019B960494DF}">
-              <a14:hiddenLine xmlns:a14="http://schemas.microsoft.com/office/drawing/2010/main" xmlns="" w="12700" cap="sq">
+              <a14:hiddenLine xmlns="" xmlns:a14="http://schemas.microsoft.com/office/drawing/2010/main" w="12700" cap="sq">
                 <a:solidFill>
                   <a:srgbClr val="000000"/>
                 </a:solidFill>
@@ -17908,7 +17944,7 @@
           </a:ln>
           <a:extLst>
             <a:ext uri="{91240B29-F687-4f45-9708-019B960494DF}">
-              <a14:hiddenLine xmlns:a14="http://schemas.microsoft.com/office/drawing/2010/main" xmlns="" w="12700" cap="sq">
+              <a14:hiddenLine xmlns="" xmlns:a14="http://schemas.microsoft.com/office/drawing/2010/main" w="12700" cap="sq">
                 <a:solidFill>
                   <a:srgbClr val="000000"/>
                 </a:solidFill>
@@ -17964,7 +18000,7 @@
           </a:ln>
           <a:extLst>
             <a:ext uri="{91240B29-F687-4f45-9708-019B960494DF}">
-              <a14:hiddenLine xmlns:a14="http://schemas.microsoft.com/office/drawing/2010/main" xmlns="" w="12700" cap="sq">
+              <a14:hiddenLine xmlns="" xmlns:a14="http://schemas.microsoft.com/office/drawing/2010/main" w="12700" cap="sq">
                 <a:solidFill>
                   <a:srgbClr val="000000"/>
                 </a:solidFill>
@@ -18082,14 +18118,14 @@
           <a:ln/>
           <a:extLst>
             <a:ext uri="{909E8E84-426E-40dd-AFC4-6F175D3DCCD1}">
-              <a14:hiddenFill xmlns:a14="http://schemas.microsoft.com/office/drawing/2010/main" xmlns="">
+              <a14:hiddenFill xmlns="" xmlns:a14="http://schemas.microsoft.com/office/drawing/2010/main">
                 <a:solidFill>
                   <a:srgbClr val="FFFFFF"/>
                 </a:solidFill>
               </a14:hiddenFill>
             </a:ext>
             <a:ext uri="{91240B29-F687-4f45-9708-019B960494DF}">
-              <a14:hiddenLine xmlns:a14="http://schemas.microsoft.com/office/drawing/2010/main" xmlns="" w="9525">
+              <a14:hiddenLine xmlns="" xmlns:a14="http://schemas.microsoft.com/office/drawing/2010/main" w="9525">
                 <a:solidFill>
                   <a:srgbClr val="000000"/>
                 </a:solidFill>
@@ -18242,14 +18278,14 @@
           </a:ln>
           <a:extLst>
             <a:ext uri="{909E8E84-426E-40dd-AFC4-6F175D3DCCD1}">
-              <a14:hiddenFill xmlns:a14="http://schemas.microsoft.com/office/drawing/2010/main" xmlns="">
+              <a14:hiddenFill xmlns="" xmlns:a14="http://schemas.microsoft.com/office/drawing/2010/main">
                 <a:solidFill>
                   <a:srgbClr val="FFFFFF"/>
                 </a:solidFill>
               </a14:hiddenFill>
             </a:ext>
             <a:ext uri="{91240B29-F687-4f45-9708-019B960494DF}">
-              <a14:hiddenLine xmlns:a14="http://schemas.microsoft.com/office/drawing/2010/main" xmlns="" w="12700" cap="sq">
+              <a14:hiddenLine xmlns="" xmlns:a14="http://schemas.microsoft.com/office/drawing/2010/main" w="12700" cap="sq">
                 <a:solidFill>
                   <a:srgbClr val="000000"/>
                 </a:solidFill>
@@ -18436,7 +18472,7 @@
               </a:ln>
               <a:extLst>
                 <a:ext uri="{91240B29-F687-4f45-9708-019B960494DF}">
-                  <a14:hiddenLine xmlns:a14="http://schemas.microsoft.com/office/drawing/2010/main" xmlns="" w="12700" cap="sq">
+                  <a14:hiddenLine xmlns="" xmlns:a14="http://schemas.microsoft.com/office/drawing/2010/main" w="12700" cap="sq">
                     <a:solidFill>
                       <a:srgbClr val="000000"/>
                     </a:solidFill>
@@ -18619,7 +18655,7 @@
               </a:ln>
               <a:extLst>
                 <a:ext uri="{91240B29-F687-4f45-9708-019B960494DF}">
-                  <a14:hiddenLine xmlns:a14="http://schemas.microsoft.com/office/drawing/2010/main" xmlns="" w="12700" cap="sq">
+                  <a14:hiddenLine xmlns="" xmlns:a14="http://schemas.microsoft.com/office/drawing/2010/main" w="12700" cap="sq">
                     <a:solidFill>
                       <a:srgbClr val="000000"/>
                     </a:solidFill>
@@ -18802,7 +18838,7 @@
               </a:ln>
               <a:extLst>
                 <a:ext uri="{91240B29-F687-4f45-9708-019B960494DF}">
-                  <a14:hiddenLine xmlns:a14="http://schemas.microsoft.com/office/drawing/2010/main" xmlns="" w="12700" cap="sq">
+                  <a14:hiddenLine xmlns="" xmlns:a14="http://schemas.microsoft.com/office/drawing/2010/main" w="12700" cap="sq">
                     <a:solidFill>
                       <a:srgbClr val="000000"/>
                     </a:solidFill>
@@ -19021,7 +19057,7 @@
                 </a:ln>
                 <a:extLst>
                   <a:ext uri="{909E8E84-426E-40dd-AFC4-6F175D3DCCD1}">
-                    <a14:hiddenFill xmlns:a14="http://schemas.microsoft.com/office/drawing/2010/main" xmlns="">
+                    <a14:hiddenFill xmlns="" xmlns:a14="http://schemas.microsoft.com/office/drawing/2010/main">
                       <a:noFill/>
                     </a14:hiddenFill>
                   </a:ext>
@@ -19062,7 +19098,7 @@
                 </a:ln>
                 <a:extLst>
                   <a:ext uri="{909E8E84-426E-40dd-AFC4-6F175D3DCCD1}">
-                    <a14:hiddenFill xmlns:a14="http://schemas.microsoft.com/office/drawing/2010/main" xmlns="">
+                    <a14:hiddenFill xmlns="" xmlns:a14="http://schemas.microsoft.com/office/drawing/2010/main">
                       <a:noFill/>
                     </a14:hiddenFill>
                   </a:ext>
@@ -19120,7 +19156,7 @@
                 </a:ln>
                 <a:extLst>
                   <a:ext uri="{909E8E84-426E-40dd-AFC4-6F175D3DCCD1}">
-                    <a14:hiddenFill xmlns:a14="http://schemas.microsoft.com/office/drawing/2010/main" xmlns="">
+                    <a14:hiddenFill xmlns="" xmlns:a14="http://schemas.microsoft.com/office/drawing/2010/main">
                       <a:noFill/>
                     </a14:hiddenFill>
                   </a:ext>
@@ -19161,7 +19197,7 @@
                 </a:ln>
                 <a:extLst>
                   <a:ext uri="{909E8E84-426E-40dd-AFC4-6F175D3DCCD1}">
-                    <a14:hiddenFill xmlns:a14="http://schemas.microsoft.com/office/drawing/2010/main" xmlns="">
+                    <a14:hiddenFill xmlns="" xmlns:a14="http://schemas.microsoft.com/office/drawing/2010/main">
                       <a:noFill/>
                     </a14:hiddenFill>
                   </a:ext>
@@ -19219,7 +19255,7 @@
                 </a:ln>
                 <a:extLst>
                   <a:ext uri="{909E8E84-426E-40dd-AFC4-6F175D3DCCD1}">
-                    <a14:hiddenFill xmlns:a14="http://schemas.microsoft.com/office/drawing/2010/main" xmlns="">
+                    <a14:hiddenFill xmlns="" xmlns:a14="http://schemas.microsoft.com/office/drawing/2010/main">
                       <a:noFill/>
                     </a14:hiddenFill>
                   </a:ext>
@@ -19260,7 +19296,7 @@
                 </a:ln>
                 <a:extLst>
                   <a:ext uri="{909E8E84-426E-40dd-AFC4-6F175D3DCCD1}">
-                    <a14:hiddenFill xmlns:a14="http://schemas.microsoft.com/office/drawing/2010/main" xmlns="">
+                    <a14:hiddenFill xmlns="" xmlns:a14="http://schemas.microsoft.com/office/drawing/2010/main">
                       <a:noFill/>
                     </a14:hiddenFill>
                   </a:ext>
@@ -19469,14 +19505,14 @@
           <a:ln/>
           <a:extLst>
             <a:ext uri="{909E8E84-426E-40dd-AFC4-6F175D3DCCD1}">
-              <a14:hiddenFill xmlns="" xmlns:a14="http://schemas.microsoft.com/office/drawing/2010/main">
+              <a14:hiddenFill xmlns:a14="http://schemas.microsoft.com/office/drawing/2010/main" xmlns="">
                 <a:solidFill>
                   <a:srgbClr val="FFFFFF"/>
                 </a:solidFill>
               </a14:hiddenFill>
             </a:ext>
             <a:ext uri="{91240B29-F687-4f45-9708-019B960494DF}">
-              <a14:hiddenLine xmlns="" xmlns:a14="http://schemas.microsoft.com/office/drawing/2010/main" w="9525">
+              <a14:hiddenLine xmlns:a14="http://schemas.microsoft.com/office/drawing/2010/main" xmlns="" w="9525">
                 <a:solidFill>
                   <a:srgbClr val="000000"/>
                 </a:solidFill>
@@ -19702,14 +19738,14 @@
             </a:ln>
             <a:extLst>
               <a:ext uri="{909E8E84-426E-40dd-AFC4-6F175D3DCCD1}">
-                <a14:hiddenFill xmlns:a14="http://schemas.microsoft.com/office/drawing/2010/main" xmlns="">
+                <a14:hiddenFill xmlns="" xmlns:a14="http://schemas.microsoft.com/office/drawing/2010/main">
                   <a:solidFill>
                     <a:srgbClr val="FFFFFF"/>
                   </a:solidFill>
                 </a14:hiddenFill>
               </a:ext>
               <a:ext uri="{91240B29-F687-4f45-9708-019B960494DF}">
-                <a14:hiddenLine xmlns:a14="http://schemas.microsoft.com/office/drawing/2010/main" xmlns="" w="12700" cap="sq">
+                <a14:hiddenLine xmlns="" xmlns:a14="http://schemas.microsoft.com/office/drawing/2010/main" w="12700" cap="sq">
                   <a:solidFill>
                     <a:srgbClr val="000000"/>
                   </a:solidFill>
@@ -19872,7 +19908,7 @@
           </a:ln>
           <a:extLst>
             <a:ext uri="{91240B29-F687-4f45-9708-019B960494DF}">
-              <a14:hiddenLine xmlns:a14="http://schemas.microsoft.com/office/drawing/2010/main" xmlns="" w="12700" cap="sq">
+              <a14:hiddenLine xmlns="" xmlns:a14="http://schemas.microsoft.com/office/drawing/2010/main" w="12700" cap="sq">
                 <a:solidFill>
                   <a:srgbClr val="000000"/>
                 </a:solidFill>
@@ -20067,7 +20103,7 @@
           </a:ln>
           <a:extLst>
             <a:ext uri="{91240B29-F687-4f45-9708-019B960494DF}">
-              <a14:hiddenLine xmlns:a14="http://schemas.microsoft.com/office/drawing/2010/main" xmlns="" w="12700" cap="sq">
+              <a14:hiddenLine xmlns="" xmlns:a14="http://schemas.microsoft.com/office/drawing/2010/main" w="12700" cap="sq">
                 <a:solidFill>
                   <a:srgbClr val="000000"/>
                 </a:solidFill>
@@ -20269,7 +20305,7 @@
           </a:ln>
           <a:extLst>
             <a:ext uri="{909E8E84-426E-40dd-AFC4-6F175D3DCCD1}">
-              <a14:hiddenFill xmlns:a14="http://schemas.microsoft.com/office/drawing/2010/main" xmlns="">
+              <a14:hiddenFill xmlns="" xmlns:a14="http://schemas.microsoft.com/office/drawing/2010/main">
                 <a:solidFill>
                   <a:srgbClr val="FFFFFF"/>
                 </a:solidFill>
@@ -20328,7 +20364,7 @@
           </a:ln>
           <a:extLst>
             <a:ext uri="{909E8E84-426E-40dd-AFC4-6F175D3DCCD1}">
-              <a14:hiddenFill xmlns:a14="http://schemas.microsoft.com/office/drawing/2010/main" xmlns="">
+              <a14:hiddenFill xmlns="" xmlns:a14="http://schemas.microsoft.com/office/drawing/2010/main">
                 <a:solidFill>
                   <a:srgbClr val="FFFFFF"/>
                 </a:solidFill>
@@ -20344,7 +20380,7 @@
           <a:p>
             <a:pPr algn="ctr"/>
             <a:r>
-              <a:rPr lang="en-US"/>
+              <a:rPr lang="en-US" dirty="0"/>
               <a:t>explicit grouping</a:t>
             </a:r>
           </a:p>
@@ -20378,14 +20414,14 @@
           </a:ln>
           <a:extLst>
             <a:ext uri="{909E8E84-426E-40dd-AFC4-6F175D3DCCD1}">
-              <a14:hiddenFill xmlns:a14="http://schemas.microsoft.com/office/drawing/2010/main" xmlns="">
+              <a14:hiddenFill xmlns="" xmlns:a14="http://schemas.microsoft.com/office/drawing/2010/main">
                 <a:solidFill>
                   <a:srgbClr val="FFFFFF"/>
                 </a:solidFill>
               </a14:hiddenFill>
             </a:ext>
             <a:ext uri="{91240B29-F687-4f45-9708-019B960494DF}">
-              <a14:hiddenLine xmlns:a14="http://schemas.microsoft.com/office/drawing/2010/main" xmlns="" w="12700" cap="sq">
+              <a14:hiddenLine xmlns="" xmlns:a14="http://schemas.microsoft.com/office/drawing/2010/main" w="12700" cap="sq">
                 <a:solidFill>
                   <a:srgbClr val="000000"/>
                 </a:solidFill>
@@ -20930,6 +20966,97 @@
                                           </p:stCondLst>
                                         </p:cTn>
                                         <p:tgtEl>
+                                          <p:spTgt spid="8"/>
+                                        </p:tgtEl>
+                                        <p:attrNameLst>
+                                          <p:attrName>style.visibility</p:attrName>
+                                        </p:attrNameLst>
+                                      </p:cBhvr>
+                                      <p:to>
+                                        <p:strVal val="visible"/>
+                                      </p:to>
+                                    </p:set>
+                                    <p:anim calcmode="lin" valueType="num">
+                                      <p:cBhvr additive="base">
+                                        <p:cTn id="27" dur="500" fill="hold"/>
+                                        <p:tgtEl>
+                                          <p:spTgt spid="8"/>
+                                        </p:tgtEl>
+                                        <p:attrNameLst>
+                                          <p:attrName>ppt_x</p:attrName>
+                                        </p:attrNameLst>
+                                      </p:cBhvr>
+                                      <p:tavLst>
+                                        <p:tav tm="0">
+                                          <p:val>
+                                            <p:strVal val="#ppt_x"/>
+                                          </p:val>
+                                        </p:tav>
+                                        <p:tav tm="100000">
+                                          <p:val>
+                                            <p:strVal val="#ppt_x"/>
+                                          </p:val>
+                                        </p:tav>
+                                      </p:tavLst>
+                                    </p:anim>
+                                    <p:anim calcmode="lin" valueType="num">
+                                      <p:cBhvr additive="base">
+                                        <p:cTn id="28" dur="500" fill="hold"/>
+                                        <p:tgtEl>
+                                          <p:spTgt spid="8"/>
+                                        </p:tgtEl>
+                                        <p:attrNameLst>
+                                          <p:attrName>ppt_y</p:attrName>
+                                        </p:attrNameLst>
+                                      </p:cBhvr>
+                                      <p:tavLst>
+                                        <p:tav tm="0">
+                                          <p:val>
+                                            <p:strVal val="1+#ppt_h/2"/>
+                                          </p:val>
+                                        </p:tav>
+                                        <p:tav tm="100000">
+                                          <p:val>
+                                            <p:strVal val="#ppt_y"/>
+                                          </p:val>
+                                        </p:tav>
+                                      </p:tavLst>
+                                    </p:anim>
+                                  </p:childTnLst>
+                                </p:cTn>
+                              </p:par>
+                            </p:childTnLst>
+                          </p:cTn>
+                        </p:par>
+                      </p:childTnLst>
+                    </p:cTn>
+                  </p:par>
+                  <p:par>
+                    <p:cTn id="29" fill="hold">
+                      <p:stCondLst>
+                        <p:cond delay="indefinite"/>
+                      </p:stCondLst>
+                      <p:childTnLst>
+                        <p:par>
+                          <p:cTn id="30" fill="hold">
+                            <p:stCondLst>
+                              <p:cond delay="0"/>
+                            </p:stCondLst>
+                            <p:childTnLst>
+                              <p:par>
+                                <p:cTn id="31" presetID="2" presetClass="entr" presetSubtype="4" fill="hold" grpId="0" nodeType="clickEffect">
+                                  <p:stCondLst>
+                                    <p:cond delay="0"/>
+                                  </p:stCondLst>
+                                  <p:childTnLst>
+                                    <p:set>
+                                      <p:cBhvr>
+                                        <p:cTn id="32" dur="1" fill="hold">
+                                          <p:stCondLst>
+                                            <p:cond delay="0"/>
+                                          </p:stCondLst>
+                                        </p:cTn>
+                                        <p:tgtEl>
                                           <p:spTgt spid="10"/>
                                         </p:tgtEl>
                                         <p:attrNameLst>
@@ -20942,7 +21069,7 @@
                                     </p:set>
                                     <p:anim calcmode="lin" valueType="num">
                                       <p:cBhvr additive="base">
-                                        <p:cTn id="27" dur="500" fill="hold"/>
+                                        <p:cTn id="33" dur="500" fill="hold"/>
                                         <p:tgtEl>
                                           <p:spTgt spid="10"/>
                                         </p:tgtEl>
@@ -20965,7 +21092,7 @@
                                     </p:anim>
                                     <p:anim calcmode="lin" valueType="num">
                                       <p:cBhvr additive="base">
-                                        <p:cTn id="28" dur="500" fill="hold"/>
+                                        <p:cTn id="34" dur="500" fill="hold"/>
                                         <p:tgtEl>
                                           <p:spTgt spid="10"/>
                                         </p:tgtEl>
@@ -21020,6 +21147,7 @@
       <p:bldP spid="5" grpId="0" animBg="1"/>
       <p:bldP spid="6" grpId="0" animBg="1"/>
       <p:bldP spid="7" grpId="0" animBg="1"/>
+      <p:bldP spid="8" grpId="0" animBg="1"/>
       <p:bldP spid="10" grpId="0"/>
     </p:bldLst>
   </p:timing>
@@ -21060,7 +21188,7 @@
         </p:nvSpPr>
         <p:spPr>
           <a:xfrm>
-            <a:off x="381000" y="380999"/>
+            <a:off x="231295" y="873294"/>
             <a:ext cx="7772400" cy="970723"/>
           </a:xfrm>
         </p:spPr>
@@ -21093,7 +21221,7 @@
         </p:nvSpPr>
         <p:spPr>
           <a:xfrm>
-            <a:off x="533400" y="1524000"/>
+            <a:off x="665922" y="2464904"/>
             <a:ext cx="6039678" cy="4558748"/>
           </a:xfrm>
         </p:spPr>
@@ -21184,14 +21312,14 @@
           <a:ln/>
           <a:extLst>
             <a:ext uri="{909E8E84-426E-40dd-AFC4-6F175D3DCCD1}">
-              <a14:hiddenFill xmlns:a14="http://schemas.microsoft.com/office/drawing/2010/main" xmlns="">
+              <a14:hiddenFill xmlns="" xmlns:a14="http://schemas.microsoft.com/office/drawing/2010/main">
                 <a:solidFill>
                   <a:srgbClr val="FFFFFF"/>
                 </a:solidFill>
               </a14:hiddenFill>
             </a:ext>
             <a:ext uri="{91240B29-F687-4f45-9708-019B960494DF}">
-              <a14:hiddenLine xmlns:a14="http://schemas.microsoft.com/office/drawing/2010/main" xmlns="" w="9525">
+              <a14:hiddenLine xmlns="" xmlns:a14="http://schemas.microsoft.com/office/drawing/2010/main" w="9525">
                 <a:solidFill>
                   <a:srgbClr val="000000"/>
                 </a:solidFill>
@@ -21423,14 +21551,14 @@
           <a:ln/>
           <a:extLst>
             <a:ext uri="{909E8E84-426E-40dd-AFC4-6F175D3DCCD1}">
-              <a14:hiddenFill xmlns:a14="http://schemas.microsoft.com/office/drawing/2010/main" xmlns="">
+              <a14:hiddenFill xmlns="" xmlns:a14="http://schemas.microsoft.com/office/drawing/2010/main">
                 <a:solidFill>
                   <a:srgbClr val="FFFFFF"/>
                 </a:solidFill>
               </a14:hiddenFill>
             </a:ext>
             <a:ext uri="{91240B29-F687-4f45-9708-019B960494DF}">
-              <a14:hiddenLine xmlns:a14="http://schemas.microsoft.com/office/drawing/2010/main" xmlns="" w="9525">
+              <a14:hiddenLine xmlns="" xmlns:a14="http://schemas.microsoft.com/office/drawing/2010/main" w="9525">
                 <a:solidFill>
                   <a:srgbClr val="000000"/>
                 </a:solidFill>
@@ -21607,8 +21735,8 @@
         </p:nvSpPr>
         <p:spPr>
           <a:xfrm>
-            <a:off x="1011835" y="2687945"/>
-            <a:ext cx="7562539" cy="3108543"/>
+            <a:off x="484553" y="2056177"/>
+            <a:ext cx="7562539" cy="4401205"/>
           </a:xfrm>
           <a:prstGeom prst="rect">
             <a:avLst/>
@@ -21635,6 +21763,13 @@
             </a:r>
           </a:p>
           <a:p>
+            <a:pPr>
+              <a:buFont typeface="Arial" panose="020B0604020202020204" pitchFamily="34" charset="0"/>
+              <a:buChar char="•"/>
+            </a:pPr>
+            <a:endParaRPr lang="en-IE" dirty="0"/>
+          </a:p>
+          <a:p>
             <a:pPr lvl="1">
               <a:buFont typeface="Arial" panose="020B0604020202020204" pitchFamily="34" charset="0"/>
               <a:buChar char="•"/>
@@ -21653,10 +21788,24 @@
               <a:buFont typeface="Arial" panose="020B0604020202020204" pitchFamily="34" charset="0"/>
               <a:buChar char="•"/>
             </a:pPr>
+            <a:endParaRPr lang="en-IE" dirty="0"/>
+          </a:p>
+          <a:p>
+            <a:pPr lvl="1">
+              <a:buFont typeface="Arial" panose="020B0604020202020204" pitchFamily="34" charset="0"/>
+              <a:buChar char="•"/>
+            </a:pPr>
             <a:r>
               <a:rPr lang="en-IE" dirty="0"/>
               <a:t>Use the Prelude for built-in functions and utilities.</a:t>
             </a:r>
+          </a:p>
+          <a:p>
+            <a:pPr lvl="1">
+              <a:buFont typeface="Arial" panose="020B0604020202020204" pitchFamily="34" charset="0"/>
+              <a:buChar char="•"/>
+            </a:pPr>
+            <a:endParaRPr lang="en-IE" dirty="0"/>
           </a:p>
           <a:p>
             <a:pPr lvl="1">
@@ -21687,6 +21836,481 @@
   </p:cSld>
   <p:clrMapOvr>
     <a:overrideClrMapping bg1="dk1" tx1="lt1" bg2="dk2" tx2="lt2" accent1="accent1" accent2="accent2" accent3="accent3" accent4="accent4" accent5="accent5" accent6="accent6" hlink="hlink" folHlink="folHlink"/>
+  </p:clrMapOvr>
+  <p:timing>
+    <p:tnLst>
+      <p:par>
+        <p:cTn id="1" dur="indefinite" restart="never" nodeType="tmRoot">
+          <p:childTnLst>
+            <p:seq concurrent="1" nextAc="seek">
+              <p:cTn id="2" dur="indefinite" nodeType="mainSeq">
+                <p:childTnLst>
+                  <p:par>
+                    <p:cTn id="3" fill="hold">
+                      <p:stCondLst>
+                        <p:cond delay="indefinite"/>
+                      </p:stCondLst>
+                      <p:childTnLst>
+                        <p:par>
+                          <p:cTn id="4" fill="hold">
+                            <p:stCondLst>
+                              <p:cond delay="0"/>
+                            </p:stCondLst>
+                            <p:childTnLst>
+                              <p:par>
+                                <p:cTn id="5" presetID="2" presetClass="entr" presetSubtype="4" fill="hold" nodeType="clickEffect">
+                                  <p:stCondLst>
+                                    <p:cond delay="0"/>
+                                  </p:stCondLst>
+                                  <p:childTnLst>
+                                    <p:set>
+                                      <p:cBhvr>
+                                        <p:cTn id="6" dur="1" fill="hold">
+                                          <p:stCondLst>
+                                            <p:cond delay="0"/>
+                                          </p:stCondLst>
+                                        </p:cTn>
+                                        <p:tgtEl>
+                                          <p:spTgt spid="13">
+                                            <p:txEl>
+                                              <p:pRg st="2" end="2"/>
+                                            </p:txEl>
+                                          </p:spTgt>
+                                        </p:tgtEl>
+                                        <p:attrNameLst>
+                                          <p:attrName>style.visibility</p:attrName>
+                                        </p:attrNameLst>
+                                      </p:cBhvr>
+                                      <p:to>
+                                        <p:strVal val="visible"/>
+                                      </p:to>
+                                    </p:set>
+                                    <p:anim calcmode="lin" valueType="num">
+                                      <p:cBhvr additive="base">
+                                        <p:cTn id="7" dur="500" fill="hold"/>
+                                        <p:tgtEl>
+                                          <p:spTgt spid="13">
+                                            <p:txEl>
+                                              <p:pRg st="2" end="2"/>
+                                            </p:txEl>
+                                          </p:spTgt>
+                                        </p:tgtEl>
+                                        <p:attrNameLst>
+                                          <p:attrName>ppt_x</p:attrName>
+                                        </p:attrNameLst>
+                                      </p:cBhvr>
+                                      <p:tavLst>
+                                        <p:tav tm="0">
+                                          <p:val>
+                                            <p:strVal val="#ppt_x"/>
+                                          </p:val>
+                                        </p:tav>
+                                        <p:tav tm="100000">
+                                          <p:val>
+                                            <p:strVal val="#ppt_x"/>
+                                          </p:val>
+                                        </p:tav>
+                                      </p:tavLst>
+                                    </p:anim>
+                                    <p:anim calcmode="lin" valueType="num">
+                                      <p:cBhvr additive="base">
+                                        <p:cTn id="8" dur="500" fill="hold"/>
+                                        <p:tgtEl>
+                                          <p:spTgt spid="13">
+                                            <p:txEl>
+                                              <p:pRg st="2" end="2"/>
+                                            </p:txEl>
+                                          </p:spTgt>
+                                        </p:tgtEl>
+                                        <p:attrNameLst>
+                                          <p:attrName>ppt_y</p:attrName>
+                                        </p:attrNameLst>
+                                      </p:cBhvr>
+                                      <p:tavLst>
+                                        <p:tav tm="0">
+                                          <p:val>
+                                            <p:strVal val="1+#ppt_h/2"/>
+                                          </p:val>
+                                        </p:tav>
+                                        <p:tav tm="100000">
+                                          <p:val>
+                                            <p:strVal val="#ppt_y"/>
+                                          </p:val>
+                                        </p:tav>
+                                      </p:tavLst>
+                                    </p:anim>
+                                  </p:childTnLst>
+                                </p:cTn>
+                              </p:par>
+                            </p:childTnLst>
+                          </p:cTn>
+                        </p:par>
+                      </p:childTnLst>
+                    </p:cTn>
+                  </p:par>
+                  <p:par>
+                    <p:cTn id="9" fill="hold">
+                      <p:stCondLst>
+                        <p:cond delay="indefinite"/>
+                      </p:stCondLst>
+                      <p:childTnLst>
+                        <p:par>
+                          <p:cTn id="10" fill="hold">
+                            <p:stCondLst>
+                              <p:cond delay="0"/>
+                            </p:stCondLst>
+                            <p:childTnLst>
+                              <p:par>
+                                <p:cTn id="11" presetID="2" presetClass="entr" presetSubtype="4" fill="hold" nodeType="clickEffect">
+                                  <p:stCondLst>
+                                    <p:cond delay="0"/>
+                                  </p:stCondLst>
+                                  <p:childTnLst>
+                                    <p:set>
+                                      <p:cBhvr>
+                                        <p:cTn id="12" dur="1" fill="hold">
+                                          <p:stCondLst>
+                                            <p:cond delay="0"/>
+                                          </p:stCondLst>
+                                        </p:cTn>
+                                        <p:tgtEl>
+                                          <p:spTgt spid="13">
+                                            <p:txEl>
+                                              <p:pRg st="4" end="4"/>
+                                            </p:txEl>
+                                          </p:spTgt>
+                                        </p:tgtEl>
+                                        <p:attrNameLst>
+                                          <p:attrName>style.visibility</p:attrName>
+                                        </p:attrNameLst>
+                                      </p:cBhvr>
+                                      <p:to>
+                                        <p:strVal val="visible"/>
+                                      </p:to>
+                                    </p:set>
+                                    <p:anim calcmode="lin" valueType="num">
+                                      <p:cBhvr additive="base">
+                                        <p:cTn id="13" dur="500" fill="hold"/>
+                                        <p:tgtEl>
+                                          <p:spTgt spid="13">
+                                            <p:txEl>
+                                              <p:pRg st="4" end="4"/>
+                                            </p:txEl>
+                                          </p:spTgt>
+                                        </p:tgtEl>
+                                        <p:attrNameLst>
+                                          <p:attrName>ppt_x</p:attrName>
+                                        </p:attrNameLst>
+                                      </p:cBhvr>
+                                      <p:tavLst>
+                                        <p:tav tm="0">
+                                          <p:val>
+                                            <p:strVal val="#ppt_x"/>
+                                          </p:val>
+                                        </p:tav>
+                                        <p:tav tm="100000">
+                                          <p:val>
+                                            <p:strVal val="#ppt_x"/>
+                                          </p:val>
+                                        </p:tav>
+                                      </p:tavLst>
+                                    </p:anim>
+                                    <p:anim calcmode="lin" valueType="num">
+                                      <p:cBhvr additive="base">
+                                        <p:cTn id="14" dur="500" fill="hold"/>
+                                        <p:tgtEl>
+                                          <p:spTgt spid="13">
+                                            <p:txEl>
+                                              <p:pRg st="4" end="4"/>
+                                            </p:txEl>
+                                          </p:spTgt>
+                                        </p:tgtEl>
+                                        <p:attrNameLst>
+                                          <p:attrName>ppt_y</p:attrName>
+                                        </p:attrNameLst>
+                                      </p:cBhvr>
+                                      <p:tavLst>
+                                        <p:tav tm="0">
+                                          <p:val>
+                                            <p:strVal val="1+#ppt_h/2"/>
+                                          </p:val>
+                                        </p:tav>
+                                        <p:tav tm="100000">
+                                          <p:val>
+                                            <p:strVal val="#ppt_y"/>
+                                          </p:val>
+                                        </p:tav>
+                                      </p:tavLst>
+                                    </p:anim>
+                                  </p:childTnLst>
+                                </p:cTn>
+                              </p:par>
+                            </p:childTnLst>
+                          </p:cTn>
+                        </p:par>
+                      </p:childTnLst>
+                    </p:cTn>
+                  </p:par>
+                  <p:par>
+                    <p:cTn id="15" fill="hold">
+                      <p:stCondLst>
+                        <p:cond delay="indefinite"/>
+                      </p:stCondLst>
+                      <p:childTnLst>
+                        <p:par>
+                          <p:cTn id="16" fill="hold">
+                            <p:stCondLst>
+                              <p:cond delay="0"/>
+                            </p:stCondLst>
+                            <p:childTnLst>
+                              <p:par>
+                                <p:cTn id="17" presetID="2" presetClass="entr" presetSubtype="4" fill="hold" nodeType="clickEffect">
+                                  <p:stCondLst>
+                                    <p:cond delay="0"/>
+                                  </p:stCondLst>
+                                  <p:childTnLst>
+                                    <p:set>
+                                      <p:cBhvr>
+                                        <p:cTn id="18" dur="1" fill="hold">
+                                          <p:stCondLst>
+                                            <p:cond delay="0"/>
+                                          </p:stCondLst>
+                                        </p:cTn>
+                                        <p:tgtEl>
+                                          <p:spTgt spid="13">
+                                            <p:txEl>
+                                              <p:pRg st="6" end="6"/>
+                                            </p:txEl>
+                                          </p:spTgt>
+                                        </p:tgtEl>
+                                        <p:attrNameLst>
+                                          <p:attrName>style.visibility</p:attrName>
+                                        </p:attrNameLst>
+                                      </p:cBhvr>
+                                      <p:to>
+                                        <p:strVal val="visible"/>
+                                      </p:to>
+                                    </p:set>
+                                    <p:anim calcmode="lin" valueType="num">
+                                      <p:cBhvr additive="base">
+                                        <p:cTn id="19" dur="500" fill="hold"/>
+                                        <p:tgtEl>
+                                          <p:spTgt spid="13">
+                                            <p:txEl>
+                                              <p:pRg st="6" end="6"/>
+                                            </p:txEl>
+                                          </p:spTgt>
+                                        </p:tgtEl>
+                                        <p:attrNameLst>
+                                          <p:attrName>ppt_x</p:attrName>
+                                        </p:attrNameLst>
+                                      </p:cBhvr>
+                                      <p:tavLst>
+                                        <p:tav tm="0">
+                                          <p:val>
+                                            <p:strVal val="#ppt_x"/>
+                                          </p:val>
+                                        </p:tav>
+                                        <p:tav tm="100000">
+                                          <p:val>
+                                            <p:strVal val="#ppt_x"/>
+                                          </p:val>
+                                        </p:tav>
+                                      </p:tavLst>
+                                    </p:anim>
+                                    <p:anim calcmode="lin" valueType="num">
+                                      <p:cBhvr additive="base">
+                                        <p:cTn id="20" dur="500" fill="hold"/>
+                                        <p:tgtEl>
+                                          <p:spTgt spid="13">
+                                            <p:txEl>
+                                              <p:pRg st="6" end="6"/>
+                                            </p:txEl>
+                                          </p:spTgt>
+                                        </p:tgtEl>
+                                        <p:attrNameLst>
+                                          <p:attrName>ppt_y</p:attrName>
+                                        </p:attrNameLst>
+                                      </p:cBhvr>
+                                      <p:tavLst>
+                                        <p:tav tm="0">
+                                          <p:val>
+                                            <p:strVal val="1+#ppt_h/2"/>
+                                          </p:val>
+                                        </p:tav>
+                                        <p:tav tm="100000">
+                                          <p:val>
+                                            <p:strVal val="#ppt_y"/>
+                                          </p:val>
+                                        </p:tav>
+                                      </p:tavLst>
+                                    </p:anim>
+                                  </p:childTnLst>
+                                </p:cTn>
+                              </p:par>
+                            </p:childTnLst>
+                          </p:cTn>
+                        </p:par>
+                      </p:childTnLst>
+                    </p:cTn>
+                  </p:par>
+                </p:childTnLst>
+              </p:cTn>
+              <p:prevCondLst>
+                <p:cond evt="onPrev" delay="0">
+                  <p:tgtEl>
+                    <p:sldTgt/>
+                  </p:tgtEl>
+                </p:cond>
+              </p:prevCondLst>
+              <p:nextCondLst>
+                <p:cond evt="onNext" delay="0">
+                  <p:tgtEl>
+                    <p:sldTgt/>
+                  </p:tgtEl>
+                </p:cond>
+              </p:nextCondLst>
+            </p:seq>
+          </p:childTnLst>
+        </p:cTn>
+      </p:par>
+    </p:tnLst>
+  </p:timing>
+</p:sld>
+</file>
+
+<file path=ppt/slides/slide21.xml><?xml version="1.0" encoding="utf-8"?>
+<p:sld xmlns:a="http://schemas.openxmlformats.org/drawingml/2006/main" xmlns:r="http://schemas.openxmlformats.org/officeDocument/2006/relationships" xmlns:p="http://schemas.openxmlformats.org/presentationml/2006/main">
+  <p:cSld>
+    <p:spTree>
+      <p:nvGrpSpPr>
+        <p:cNvPr id="1" name=""/>
+        <p:cNvGrpSpPr/>
+        <p:nvPr/>
+      </p:nvGrpSpPr>
+      <p:grpSpPr>
+        <a:xfrm>
+          <a:off x="0" y="0"/>
+          <a:ext cx="0" cy="0"/>
+          <a:chOff x="0" y="0"/>
+          <a:chExt cx="0" cy="0"/>
+        </a:xfrm>
+      </p:grpSpPr>
+      <p:sp>
+        <p:nvSpPr>
+          <p:cNvPr id="3" name="Slide Number Placeholder 2">
+            <a:extLst>
+              <a:ext uri="{FF2B5EF4-FFF2-40B4-BE49-F238E27FC236}">
+                <a16:creationId xmlns:a16="http://schemas.microsoft.com/office/drawing/2014/main" id="{44577FC6-C59C-2669-4EF6-7A0FEDBE82A8}"/>
+              </a:ext>
+            </a:extLst>
+          </p:cNvPr>
+          <p:cNvSpPr>
+            <a:spLocks noGrp="1"/>
+          </p:cNvSpPr>
+          <p:nvPr>
+            <p:ph type="sldNum" sz="quarter" idx="12"/>
+          </p:nvPr>
+        </p:nvSpPr>
+        <p:spPr/>
+        <p:txBody>
+          <a:bodyPr/>
+          <a:lstStyle/>
+          <a:p>
+            <a:pPr>
+              <a:defRPr/>
+            </a:pPr>
+            <a:fld id="{052FD39C-9ADB-C245-9503-846EF8BEFA4C}" type="slidenum">
+              <a:rPr lang="en-US" smtClean="0"/>
+              <a:pPr>
+                <a:defRPr/>
+              </a:pPr>
+              <a:t>20</a:t>
+            </a:fld>
+            <a:endParaRPr lang="en-US"/>
+          </a:p>
+        </p:txBody>
+      </p:sp>
+      <p:pic>
+        <p:nvPicPr>
+          <p:cNvPr id="4" name="Picture 3" descr="A green question mark in a circle&#10;&#10;AI-generated content may be incorrect.">
+            <a:extLst>
+              <a:ext uri="{FF2B5EF4-FFF2-40B4-BE49-F238E27FC236}">
+                <a16:creationId xmlns:a16="http://schemas.microsoft.com/office/drawing/2014/main" id="{0F2E1EFF-4C98-7A67-9191-8B8D24E858A9}"/>
+              </a:ext>
+            </a:extLst>
+          </p:cNvPr>
+          <p:cNvPicPr>
+            <a:picLocks noChangeAspect="1"/>
+          </p:cNvPicPr>
+          <p:nvPr/>
+        </p:nvPicPr>
+        <p:blipFill>
+          <a:blip r:embed="rId2">
+            <a:extLst>
+              <a:ext uri="{28A0092B-C50C-407E-A947-70E740481C1C}">
+                <a14:useLocalDpi xmlns:a14="http://schemas.microsoft.com/office/drawing/2010/main" val="0"/>
+              </a:ext>
+            </a:extLst>
+          </a:blip>
+          <a:stretch>
+            <a:fillRect/>
+          </a:stretch>
+        </p:blipFill>
+        <p:spPr>
+          <a:xfrm>
+            <a:off x="1943100" y="178406"/>
+            <a:ext cx="5257800" cy="5257800"/>
+          </a:xfrm>
+          <a:prstGeom prst="rect">
+            <a:avLst/>
+          </a:prstGeom>
+        </p:spPr>
+      </p:pic>
+      <p:sp>
+        <p:nvSpPr>
+          <p:cNvPr id="5" name="TextBox 4">
+            <a:extLst>
+              <a:ext uri="{FF2B5EF4-FFF2-40B4-BE49-F238E27FC236}">
+                <a16:creationId xmlns:a16="http://schemas.microsoft.com/office/drawing/2014/main" id="{A0DBB535-4846-79B5-29B5-3BAB2EE500A1}"/>
+              </a:ext>
+            </a:extLst>
+          </p:cNvPr>
+          <p:cNvSpPr txBox="1"/>
+          <p:nvPr/>
+        </p:nvSpPr>
+        <p:spPr>
+          <a:xfrm>
+            <a:off x="2581551" y="5602461"/>
+            <a:ext cx="3980898" cy="707886"/>
+          </a:xfrm>
+          <a:prstGeom prst="rect">
+            <a:avLst/>
+          </a:prstGeom>
+          <a:noFill/>
+        </p:spPr>
+        <p:txBody>
+          <a:bodyPr wrap="none" rtlCol="0">
+            <a:spAutoFit/>
+          </a:bodyPr>
+          <a:lstStyle/>
+          <a:p>
+            <a:r>
+              <a:rPr lang="en-US" sz="4000" dirty="0"/>
+              <a:t>Any Questions ? </a:t>
+            </a:r>
+          </a:p>
+        </p:txBody>
+      </p:sp>
+    </p:spTree>
+    <p:extLst>
+      <p:ext uri="{BB962C8B-B14F-4D97-AF65-F5344CB8AC3E}">
+        <p14:creationId xmlns:p14="http://schemas.microsoft.com/office/powerpoint/2010/main" val="824035140"/>
+      </p:ext>
+    </p:extLst>
+  </p:cSld>
+  <p:clrMapOvr>
+    <a:masterClrMapping/>
   </p:clrMapOvr>
 </p:sld>
 </file>
@@ -21767,14 +22391,14 @@
           <a:ln/>
           <a:extLst>
             <a:ext uri="{909E8E84-426E-40dd-AFC4-6F175D3DCCD1}">
-              <a14:hiddenFill xmlns:a14="http://schemas.microsoft.com/office/drawing/2010/main" xmlns="">
+              <a14:hiddenFill xmlns="" xmlns:a14="http://schemas.microsoft.com/office/drawing/2010/main">
                 <a:solidFill>
                   <a:srgbClr val="FFFFFF"/>
                 </a:solidFill>
               </a14:hiddenFill>
             </a:ext>
             <a:ext uri="{91240B29-F687-4f45-9708-019B960494DF}">
-              <a14:hiddenLine xmlns:a14="http://schemas.microsoft.com/office/drawing/2010/main" xmlns="" w="9525">
+              <a14:hiddenLine xmlns="" xmlns:a14="http://schemas.microsoft.com/office/drawing/2010/main" w="9525">
                 <a:solidFill>
                   <a:srgbClr val="000000"/>
                 </a:solidFill>
@@ -21915,7 +22539,7 @@
         </p:nvSpPr>
         <p:spPr bwMode="auto">
           <a:xfrm>
-            <a:off x="693737" y="2201207"/>
+            <a:off x="668337" y="2864331"/>
             <a:ext cx="7688263" cy="1604963"/>
           </a:xfrm>
           <a:prstGeom prst="rect">
@@ -21929,7 +22553,7 @@
           </a:ln>
           <a:extLst>
             <a:ext uri="{91240B29-F687-4f45-9708-019B960494DF}">
-              <a14:hiddenLine xmlns:a14="http://schemas.microsoft.com/office/drawing/2010/main" xmlns="" w="12700" cap="sq">
+              <a14:hiddenLine xmlns="" xmlns:a14="http://schemas.microsoft.com/office/drawing/2010/main" w="12700" cap="sq">
                 <a:solidFill>
                   <a:srgbClr val="000000"/>
                 </a:solidFill>
@@ -22168,7 +22792,7 @@
         </p:nvSpPr>
         <p:spPr bwMode="auto">
           <a:xfrm>
-            <a:off x="415925" y="1555750"/>
+            <a:off x="404812" y="2049600"/>
             <a:ext cx="8334375" cy="523220"/>
           </a:xfrm>
           <a:prstGeom prst="rect">
@@ -22180,14 +22804,14 @@
           </a:ln>
           <a:extLst>
             <a:ext uri="{909E8E84-426E-40dd-AFC4-6F175D3DCCD1}">
-              <a14:hiddenFill xmlns:a14="http://schemas.microsoft.com/office/drawing/2010/main" xmlns="">
+              <a14:hiddenFill xmlns="" xmlns:a14="http://schemas.microsoft.com/office/drawing/2010/main">
                 <a:solidFill>
                   <a:srgbClr val="FFFFFF"/>
                 </a:solidFill>
               </a14:hiddenFill>
             </a:ext>
             <a:ext uri="{91240B29-F687-4f45-9708-019B960494DF}">
-              <a14:hiddenLine xmlns:a14="http://schemas.microsoft.com/office/drawing/2010/main" xmlns="" w="12700" cap="sq">
+              <a14:hiddenLine xmlns="" xmlns:a14="http://schemas.microsoft.com/office/drawing/2010/main" w="12700" cap="sq">
                 <a:solidFill>
                   <a:srgbClr val="000000"/>
                 </a:solidFill>
@@ -22313,7 +22937,7 @@
           <a:p>
             <a:r>
               <a:rPr lang="en-US" dirty="0"/>
-              <a:t>How to start </a:t>
+              <a:t> How to start </a:t>
             </a:r>
           </a:p>
         </p:txBody>
@@ -22340,14 +22964,14 @@
           </a:ln>
           <a:extLst>
             <a:ext uri="{909E8E84-426E-40dd-AFC4-6F175D3DCCD1}">
-              <a14:hiddenFill xmlns:a14="http://schemas.microsoft.com/office/drawing/2010/main" xmlns="">
+              <a14:hiddenFill xmlns="" xmlns:a14="http://schemas.microsoft.com/office/drawing/2010/main">
                 <a:solidFill>
                   <a:srgbClr val="FFFFFF"/>
                 </a:solidFill>
               </a14:hiddenFill>
             </a:ext>
             <a:ext uri="{91240B29-F687-4f45-9708-019B960494DF}">
-              <a14:hiddenLine xmlns:a14="http://schemas.microsoft.com/office/drawing/2010/main" xmlns="" w="9525">
+              <a14:hiddenLine xmlns="" xmlns:a14="http://schemas.microsoft.com/office/drawing/2010/main" w="9525">
                 <a:solidFill>
                   <a:srgbClr val="000000"/>
                 </a:solidFill>
@@ -22393,6 +23017,222 @@
   <p:clrMapOvr>
     <a:overrideClrMapping bg1="dk1" tx1="lt1" bg2="dk2" tx2="lt2" accent1="accent1" accent2="accent2" accent3="accent3" accent4="accent4" accent5="accent5" accent6="accent6" hlink="hlink" folHlink="folHlink"/>
   </p:clrMapOvr>
+  <p:timing>
+    <p:tnLst>
+      <p:par>
+        <p:cTn id="1" dur="indefinite" restart="never" nodeType="tmRoot">
+          <p:childTnLst>
+            <p:seq concurrent="1" nextAc="seek">
+              <p:cTn id="2" dur="indefinite" nodeType="mainSeq">
+                <p:childTnLst>
+                  <p:par>
+                    <p:cTn id="3" fill="hold">
+                      <p:stCondLst>
+                        <p:cond delay="indefinite"/>
+                      </p:stCondLst>
+                      <p:childTnLst>
+                        <p:par>
+                          <p:cTn id="4" fill="hold">
+                            <p:stCondLst>
+                              <p:cond delay="0"/>
+                            </p:stCondLst>
+                            <p:childTnLst>
+                              <p:par>
+                                <p:cTn id="5" presetID="2" presetClass="entr" presetSubtype="4" fill="hold" grpId="0" nodeType="clickEffect">
+                                  <p:stCondLst>
+                                    <p:cond delay="0"/>
+                                  </p:stCondLst>
+                                  <p:childTnLst>
+                                    <p:set>
+                                      <p:cBhvr>
+                                        <p:cTn id="6" dur="1" fill="hold">
+                                          <p:stCondLst>
+                                            <p:cond delay="0"/>
+                                          </p:stCondLst>
+                                        </p:cTn>
+                                        <p:tgtEl>
+                                          <p:spTgt spid="17411"/>
+                                        </p:tgtEl>
+                                        <p:attrNameLst>
+                                          <p:attrName>style.visibility</p:attrName>
+                                        </p:attrNameLst>
+                                      </p:cBhvr>
+                                      <p:to>
+                                        <p:strVal val="visible"/>
+                                      </p:to>
+                                    </p:set>
+                                    <p:anim calcmode="lin" valueType="num">
+                                      <p:cBhvr additive="base">
+                                        <p:cTn id="7" dur="500" fill="hold"/>
+                                        <p:tgtEl>
+                                          <p:spTgt spid="17411"/>
+                                        </p:tgtEl>
+                                        <p:attrNameLst>
+                                          <p:attrName>ppt_x</p:attrName>
+                                        </p:attrNameLst>
+                                      </p:cBhvr>
+                                      <p:tavLst>
+                                        <p:tav tm="0">
+                                          <p:val>
+                                            <p:strVal val="#ppt_x"/>
+                                          </p:val>
+                                        </p:tav>
+                                        <p:tav tm="100000">
+                                          <p:val>
+                                            <p:strVal val="#ppt_x"/>
+                                          </p:val>
+                                        </p:tav>
+                                      </p:tavLst>
+                                    </p:anim>
+                                    <p:anim calcmode="lin" valueType="num">
+                                      <p:cBhvr additive="base">
+                                        <p:cTn id="8" dur="500" fill="hold"/>
+                                        <p:tgtEl>
+                                          <p:spTgt spid="17411"/>
+                                        </p:tgtEl>
+                                        <p:attrNameLst>
+                                          <p:attrName>ppt_y</p:attrName>
+                                        </p:attrNameLst>
+                                      </p:cBhvr>
+                                      <p:tavLst>
+                                        <p:tav tm="0">
+                                          <p:val>
+                                            <p:strVal val="1+#ppt_h/2"/>
+                                          </p:val>
+                                        </p:tav>
+                                        <p:tav tm="100000">
+                                          <p:val>
+                                            <p:strVal val="#ppt_y"/>
+                                          </p:val>
+                                        </p:tav>
+                                      </p:tavLst>
+                                    </p:anim>
+                                  </p:childTnLst>
+                                </p:cTn>
+                              </p:par>
+                            </p:childTnLst>
+                          </p:cTn>
+                        </p:par>
+                      </p:childTnLst>
+                    </p:cTn>
+                  </p:par>
+                  <p:par>
+                    <p:cTn id="9" fill="hold">
+                      <p:stCondLst>
+                        <p:cond delay="indefinite"/>
+                      </p:stCondLst>
+                      <p:childTnLst>
+                        <p:par>
+                          <p:cTn id="10" fill="hold">
+                            <p:stCondLst>
+                              <p:cond delay="0"/>
+                            </p:stCondLst>
+                            <p:childTnLst>
+                              <p:par>
+                                <p:cTn id="11" presetID="2" presetClass="entr" presetSubtype="4" fill="hold" grpId="0" nodeType="clickEffect">
+                                  <p:stCondLst>
+                                    <p:cond delay="0"/>
+                                  </p:stCondLst>
+                                  <p:childTnLst>
+                                    <p:set>
+                                      <p:cBhvr>
+                                        <p:cTn id="12" dur="1" fill="hold">
+                                          <p:stCondLst>
+                                            <p:cond delay="0"/>
+                                          </p:stCondLst>
+                                        </p:cTn>
+                                        <p:tgtEl>
+                                          <p:spTgt spid="17413"/>
+                                        </p:tgtEl>
+                                        <p:attrNameLst>
+                                          <p:attrName>style.visibility</p:attrName>
+                                        </p:attrNameLst>
+                                      </p:cBhvr>
+                                      <p:to>
+                                        <p:strVal val="visible"/>
+                                      </p:to>
+                                    </p:set>
+                                    <p:anim calcmode="lin" valueType="num">
+                                      <p:cBhvr additive="base">
+                                        <p:cTn id="13" dur="500" fill="hold"/>
+                                        <p:tgtEl>
+                                          <p:spTgt spid="17413"/>
+                                        </p:tgtEl>
+                                        <p:attrNameLst>
+                                          <p:attrName>ppt_x</p:attrName>
+                                        </p:attrNameLst>
+                                      </p:cBhvr>
+                                      <p:tavLst>
+                                        <p:tav tm="0">
+                                          <p:val>
+                                            <p:strVal val="#ppt_x"/>
+                                          </p:val>
+                                        </p:tav>
+                                        <p:tav tm="100000">
+                                          <p:val>
+                                            <p:strVal val="#ppt_x"/>
+                                          </p:val>
+                                        </p:tav>
+                                      </p:tavLst>
+                                    </p:anim>
+                                    <p:anim calcmode="lin" valueType="num">
+                                      <p:cBhvr additive="base">
+                                        <p:cTn id="14" dur="500" fill="hold"/>
+                                        <p:tgtEl>
+                                          <p:spTgt spid="17413"/>
+                                        </p:tgtEl>
+                                        <p:attrNameLst>
+                                          <p:attrName>ppt_y</p:attrName>
+                                        </p:attrNameLst>
+                                      </p:cBhvr>
+                                      <p:tavLst>
+                                        <p:tav tm="0">
+                                          <p:val>
+                                            <p:strVal val="1+#ppt_h/2"/>
+                                          </p:val>
+                                        </p:tav>
+                                        <p:tav tm="100000">
+                                          <p:val>
+                                            <p:strVal val="#ppt_y"/>
+                                          </p:val>
+                                        </p:tav>
+                                      </p:tavLst>
+                                    </p:anim>
+                                  </p:childTnLst>
+                                </p:cTn>
+                              </p:par>
+                            </p:childTnLst>
+                          </p:cTn>
+                        </p:par>
+                      </p:childTnLst>
+                    </p:cTn>
+                  </p:par>
+                </p:childTnLst>
+              </p:cTn>
+              <p:prevCondLst>
+                <p:cond evt="onPrev" delay="0">
+                  <p:tgtEl>
+                    <p:sldTgt/>
+                  </p:tgtEl>
+                </p:cond>
+              </p:prevCondLst>
+              <p:nextCondLst>
+                <p:cond evt="onNext" delay="0">
+                  <p:tgtEl>
+                    <p:sldTgt/>
+                  </p:tgtEl>
+                </p:cond>
+              </p:nextCondLst>
+            </p:seq>
+          </p:childTnLst>
+        </p:cTn>
+      </p:par>
+    </p:tnLst>
+    <p:bldLst>
+      <p:bldP spid="17411" grpId="0" animBg="1"/>
+      <p:bldP spid="17413" grpId="0"/>
+    </p:bldLst>
+  </p:timing>
 </p:sld>
 </file>
 
@@ -22433,14 +23273,14 @@
           <a:ln/>
           <a:extLst>
             <a:ext uri="{909E8E84-426E-40dd-AFC4-6F175D3DCCD1}">
-              <a14:hiddenFill xmlns:a14="http://schemas.microsoft.com/office/drawing/2010/main" xmlns="">
+              <a14:hiddenFill xmlns="" xmlns:a14="http://schemas.microsoft.com/office/drawing/2010/main">
                 <a:solidFill>
                   <a:srgbClr val="FFFFFF"/>
                 </a:solidFill>
               </a14:hiddenFill>
             </a:ext>
             <a:ext uri="{91240B29-F687-4f45-9708-019B960494DF}">
-              <a14:hiddenLine xmlns:a14="http://schemas.microsoft.com/office/drawing/2010/main" xmlns="" w="9525">
+              <a14:hiddenLine xmlns="" xmlns:a14="http://schemas.microsoft.com/office/drawing/2010/main" w="9525">
                 <a:solidFill>
                   <a:srgbClr val="000000"/>
                 </a:solidFill>
@@ -22593,14 +23433,14 @@
           </a:ln>
           <a:extLst>
             <a:ext uri="{909E8E84-426E-40dd-AFC4-6F175D3DCCD1}">
-              <a14:hiddenFill xmlns:a14="http://schemas.microsoft.com/office/drawing/2010/main" xmlns="">
+              <a14:hiddenFill xmlns="" xmlns:a14="http://schemas.microsoft.com/office/drawing/2010/main">
                 <a:solidFill>
                   <a:srgbClr val="FFFFFF"/>
                 </a:solidFill>
               </a14:hiddenFill>
             </a:ext>
             <a:ext uri="{91240B29-F687-4f45-9708-019B960494DF}">
-              <a14:hiddenLine xmlns:a14="http://schemas.microsoft.com/office/drawing/2010/main" xmlns="" w="12700" cap="sq">
+              <a14:hiddenLine xmlns="" xmlns:a14="http://schemas.microsoft.com/office/drawing/2010/main" w="12700" cap="sq">
                 <a:solidFill>
                   <a:srgbClr val="000000"/>
                 </a:solidFill>
@@ -22761,7 +23601,7 @@
         </p:nvSpPr>
         <p:spPr bwMode="auto">
           <a:xfrm>
-            <a:off x="1360971" y="1804184"/>
+            <a:off x="904817" y="2399792"/>
             <a:ext cx="4833374" cy="2246769"/>
           </a:xfrm>
           <a:prstGeom prst="rect">
@@ -22775,7 +23615,7 @@
           </a:ln>
           <a:extLst>
             <a:ext uri="{91240B29-F687-4f45-9708-019B960494DF}">
-              <a14:hiddenLine xmlns:a14="http://schemas.microsoft.com/office/drawing/2010/main" xmlns="" w="12700" cap="sq">
+              <a14:hiddenLine xmlns="" xmlns:a14="http://schemas.microsoft.com/office/drawing/2010/main" w="12700" cap="sq">
                 <a:solidFill>
                   <a:srgbClr val="000000"/>
                 </a:solidFill>
@@ -23181,14 +24021,14 @@
           <a:ln/>
           <a:extLst>
             <a:ext uri="{909E8E84-426E-40dd-AFC4-6F175D3DCCD1}">
-              <a14:hiddenFill xmlns:a14="http://schemas.microsoft.com/office/drawing/2010/main" xmlns="">
+              <a14:hiddenFill xmlns="" xmlns:a14="http://schemas.microsoft.com/office/drawing/2010/main">
                 <a:solidFill>
                   <a:srgbClr val="FFFFFF"/>
                 </a:solidFill>
               </a14:hiddenFill>
             </a:ext>
             <a:ext uri="{91240B29-F687-4f45-9708-019B960494DF}">
-              <a14:hiddenLine xmlns:a14="http://schemas.microsoft.com/office/drawing/2010/main" xmlns="" w="9525">
+              <a14:hiddenLine xmlns="" xmlns:a14="http://schemas.microsoft.com/office/drawing/2010/main" w="9525">
                 <a:solidFill>
                   <a:srgbClr val="000000"/>
                 </a:solidFill>
@@ -23341,14 +24181,14 @@
           </a:ln>
           <a:extLst>
             <a:ext uri="{909E8E84-426E-40dd-AFC4-6F175D3DCCD1}">
-              <a14:hiddenFill xmlns:a14="http://schemas.microsoft.com/office/drawing/2010/main" xmlns="">
+              <a14:hiddenFill xmlns="" xmlns:a14="http://schemas.microsoft.com/office/drawing/2010/main">
                 <a:solidFill>
                   <a:srgbClr val="FFFFFF"/>
                 </a:solidFill>
               </a14:hiddenFill>
             </a:ext>
             <a:ext uri="{91240B29-F687-4f45-9708-019B960494DF}">
-              <a14:hiddenLine xmlns:a14="http://schemas.microsoft.com/office/drawing/2010/main" xmlns="" w="12700" cap="sq">
+              <a14:hiddenLine xmlns="" xmlns:a14="http://schemas.microsoft.com/office/drawing/2010/main" w="12700" cap="sq">
                 <a:solidFill>
                   <a:srgbClr val="000000"/>
                 </a:solidFill>
@@ -23593,7 +24433,7 @@
           </a:ln>
           <a:extLst>
             <a:ext uri="{91240B29-F687-4f45-9708-019B960494DF}">
-              <a14:hiddenLine xmlns:a14="http://schemas.microsoft.com/office/drawing/2010/main" xmlns="" w="12700" cap="sq">
+              <a14:hiddenLine xmlns="" xmlns:a14="http://schemas.microsoft.com/office/drawing/2010/main" w="12700" cap="sq">
                 <a:solidFill>
                   <a:srgbClr val="000000"/>
                 </a:solidFill>
@@ -23764,7 +24604,7 @@
           </a:ln>
           <a:extLst>
             <a:ext uri="{91240B29-F687-4f45-9708-019B960494DF}">
-              <a14:hiddenLine xmlns:a14="http://schemas.microsoft.com/office/drawing/2010/main" xmlns="" w="12700" cap="sq">
+              <a14:hiddenLine xmlns="" xmlns:a14="http://schemas.microsoft.com/office/drawing/2010/main" w="12700" cap="sq">
                 <a:solidFill>
                   <a:srgbClr val="000000"/>
                 </a:solidFill>
@@ -23945,7 +24785,7 @@
           </a:ln>
           <a:extLst>
             <a:ext uri="{91240B29-F687-4f45-9708-019B960494DF}">
-              <a14:hiddenLine xmlns:a14="http://schemas.microsoft.com/office/drawing/2010/main" xmlns="" w="12700" cap="sq">
+              <a14:hiddenLine xmlns="" xmlns:a14="http://schemas.microsoft.com/office/drawing/2010/main" w="12700" cap="sq">
                 <a:solidFill>
                   <a:srgbClr val="000000"/>
                 </a:solidFill>
@@ -24784,14 +25624,14 @@
           <a:ln/>
           <a:extLst>
             <a:ext uri="{909E8E84-426E-40dd-AFC4-6F175D3DCCD1}">
-              <a14:hiddenFill xmlns="" xmlns:a14="http://schemas.microsoft.com/office/drawing/2010/main">
+              <a14:hiddenFill xmlns:a14="http://schemas.microsoft.com/office/drawing/2010/main" xmlns="">
                 <a:solidFill>
                   <a:srgbClr val="FFFFFF"/>
                 </a:solidFill>
               </a14:hiddenFill>
             </a:ext>
             <a:ext uri="{91240B29-F687-4f45-9708-019B960494DF}">
-              <a14:hiddenLine xmlns="" xmlns:a14="http://schemas.microsoft.com/office/drawing/2010/main" w="9525">
+              <a14:hiddenLine xmlns:a14="http://schemas.microsoft.com/office/drawing/2010/main" xmlns="" w="9525">
                 <a:solidFill>
                   <a:srgbClr val="000000"/>
                 </a:solidFill>
@@ -24950,14 +25790,14 @@
           </a:ln>
           <a:extLst>
             <a:ext uri="{909E8E84-426E-40dd-AFC4-6F175D3DCCD1}">
-              <a14:hiddenFill xmlns:a14="http://schemas.microsoft.com/office/drawing/2010/main" xmlns="">
+              <a14:hiddenFill xmlns="" xmlns:a14="http://schemas.microsoft.com/office/drawing/2010/main">
                 <a:solidFill>
                   <a:srgbClr val="FFFFFF"/>
                 </a:solidFill>
               </a14:hiddenFill>
             </a:ext>
             <a:ext uri="{91240B29-F687-4f45-9708-019B960494DF}">
-              <a14:hiddenLine xmlns:a14="http://schemas.microsoft.com/office/drawing/2010/main" xmlns="" w="9525">
+              <a14:hiddenLine xmlns="" xmlns:a14="http://schemas.microsoft.com/office/drawing/2010/main" w="9525">
                 <a:solidFill>
                   <a:srgbClr val="000000"/>
                 </a:solidFill>
@@ -25019,7 +25859,7 @@
           </a:ln>
           <a:extLst>
             <a:ext uri="{91240B29-F687-4f45-9708-019B960494DF}">
-              <a14:hiddenLine xmlns:a14="http://schemas.microsoft.com/office/drawing/2010/main" xmlns="" w="12700" cap="sq">
+              <a14:hiddenLine xmlns="" xmlns:a14="http://schemas.microsoft.com/office/drawing/2010/main" w="12700" cap="sq">
                 <a:solidFill>
                   <a:srgbClr val="000000"/>
                 </a:solidFill>
@@ -25198,14 +26038,14 @@
           </a:ln>
           <a:extLst>
             <a:ext uri="{909E8E84-426E-40dd-AFC4-6F175D3DCCD1}">
-              <a14:hiddenFill xmlns:a14="http://schemas.microsoft.com/office/drawing/2010/main" xmlns="">
+              <a14:hiddenFill xmlns="" xmlns:a14="http://schemas.microsoft.com/office/drawing/2010/main">
                 <a:solidFill>
                   <a:srgbClr val="FFFFFF"/>
                 </a:solidFill>
               </a14:hiddenFill>
             </a:ext>
             <a:ext uri="{91240B29-F687-4f45-9708-019B960494DF}">
-              <a14:hiddenLine xmlns:a14="http://schemas.microsoft.com/office/drawing/2010/main" xmlns="" w="9525">
+              <a14:hiddenLine xmlns="" xmlns:a14="http://schemas.microsoft.com/office/drawing/2010/main" w="9525">
                 <a:solidFill>
                   <a:srgbClr val="000000"/>
                 </a:solidFill>
@@ -25267,7 +26107,7 @@
           </a:ln>
           <a:extLst>
             <a:ext uri="{91240B29-F687-4f45-9708-019B960494DF}">
-              <a14:hiddenLine xmlns:a14="http://schemas.microsoft.com/office/drawing/2010/main" xmlns="" w="12700" cap="sq">
+              <a14:hiddenLine xmlns="" xmlns:a14="http://schemas.microsoft.com/office/drawing/2010/main" w="12700" cap="sq">
                 <a:solidFill>
                   <a:srgbClr val="000000"/>
                 </a:solidFill>
@@ -25436,14 +26276,14 @@
           </a:ln>
           <a:extLst>
             <a:ext uri="{909E8E84-426E-40dd-AFC4-6F175D3DCCD1}">
-              <a14:hiddenFill xmlns:a14="http://schemas.microsoft.com/office/drawing/2010/main" xmlns="">
+              <a14:hiddenFill xmlns="" xmlns:a14="http://schemas.microsoft.com/office/drawing/2010/main">
                 <a:solidFill>
                   <a:srgbClr val="FFFFFF"/>
                 </a:solidFill>
               </a14:hiddenFill>
             </a:ext>
             <a:ext uri="{91240B29-F687-4f45-9708-019B960494DF}">
-              <a14:hiddenLine xmlns:a14="http://schemas.microsoft.com/office/drawing/2010/main" xmlns="" w="9525">
+              <a14:hiddenLine xmlns="" xmlns:a14="http://schemas.microsoft.com/office/drawing/2010/main" w="9525">
                 <a:solidFill>
                   <a:srgbClr val="000000"/>
                 </a:solidFill>
@@ -25505,7 +26345,7 @@
           </a:ln>
           <a:extLst>
             <a:ext uri="{91240B29-F687-4f45-9708-019B960494DF}">
-              <a14:hiddenLine xmlns:a14="http://schemas.microsoft.com/office/drawing/2010/main" xmlns="" w="12700" cap="sq">
+              <a14:hiddenLine xmlns="" xmlns:a14="http://schemas.microsoft.com/office/drawing/2010/main" w="12700" cap="sq">
                 <a:solidFill>
                   <a:srgbClr val="000000"/>
                 </a:solidFill>
@@ -26262,14 +27102,14 @@
           <a:ln/>
           <a:extLst>
             <a:ext uri="{909E8E84-426E-40dd-AFC4-6F175D3DCCD1}">
-              <a14:hiddenFill xmlns:a14="http://schemas.microsoft.com/office/drawing/2010/main" xmlns="">
+              <a14:hiddenFill xmlns="" xmlns:a14="http://schemas.microsoft.com/office/drawing/2010/main">
                 <a:solidFill>
                   <a:srgbClr val="FFFFFF"/>
                 </a:solidFill>
               </a14:hiddenFill>
             </a:ext>
             <a:ext uri="{91240B29-F687-4f45-9708-019B960494DF}">
-              <a14:hiddenLine xmlns:a14="http://schemas.microsoft.com/office/drawing/2010/main" xmlns="" w="9525">
+              <a14:hiddenLine xmlns="" xmlns:a14="http://schemas.microsoft.com/office/drawing/2010/main" w="9525">
                 <a:solidFill>
                   <a:srgbClr val="000000"/>
                 </a:solidFill>
@@ -26428,14 +27268,14 @@
           </a:ln>
           <a:extLst>
             <a:ext uri="{909E8E84-426E-40dd-AFC4-6F175D3DCCD1}">
-              <a14:hiddenFill xmlns:a14="http://schemas.microsoft.com/office/drawing/2010/main" xmlns="">
+              <a14:hiddenFill xmlns="" xmlns:a14="http://schemas.microsoft.com/office/drawing/2010/main">
                 <a:solidFill>
                   <a:srgbClr val="FFFFFF"/>
                 </a:solidFill>
               </a14:hiddenFill>
             </a:ext>
             <a:ext uri="{91240B29-F687-4f45-9708-019B960494DF}">
-              <a14:hiddenLine xmlns:a14="http://schemas.microsoft.com/office/drawing/2010/main" xmlns="" w="9525">
+              <a14:hiddenLine xmlns="" xmlns:a14="http://schemas.microsoft.com/office/drawing/2010/main" w="9525">
                 <a:solidFill>
                   <a:srgbClr val="000000"/>
                 </a:solidFill>
@@ -26497,7 +27337,7 @@
           </a:ln>
           <a:extLst>
             <a:ext uri="{91240B29-F687-4f45-9708-019B960494DF}">
-              <a14:hiddenLine xmlns:a14="http://schemas.microsoft.com/office/drawing/2010/main" xmlns="" w="12700" cap="sq">
+              <a14:hiddenLine xmlns="" xmlns:a14="http://schemas.microsoft.com/office/drawing/2010/main" w="12700" cap="sq">
                 <a:solidFill>
                   <a:srgbClr val="000000"/>
                 </a:solidFill>
@@ -26676,14 +27516,14 @@
           </a:ln>
           <a:extLst>
             <a:ext uri="{909E8E84-426E-40dd-AFC4-6F175D3DCCD1}">
-              <a14:hiddenFill xmlns:a14="http://schemas.microsoft.com/office/drawing/2010/main" xmlns="">
+              <a14:hiddenFill xmlns="" xmlns:a14="http://schemas.microsoft.com/office/drawing/2010/main">
                 <a:solidFill>
                   <a:srgbClr val="FFFFFF"/>
                 </a:solidFill>
               </a14:hiddenFill>
             </a:ext>
             <a:ext uri="{91240B29-F687-4f45-9708-019B960494DF}">
-              <a14:hiddenLine xmlns:a14="http://schemas.microsoft.com/office/drawing/2010/main" xmlns="" w="9525">
+              <a14:hiddenLine xmlns="" xmlns:a14="http://schemas.microsoft.com/office/drawing/2010/main" w="9525">
                 <a:solidFill>
                   <a:srgbClr val="000000"/>
                 </a:solidFill>
@@ -26745,7 +27585,7 @@
           </a:ln>
           <a:extLst>
             <a:ext uri="{91240B29-F687-4f45-9708-019B960494DF}">
-              <a14:hiddenLine xmlns:a14="http://schemas.microsoft.com/office/drawing/2010/main" xmlns="" w="12700" cap="sq">
+              <a14:hiddenLine xmlns="" xmlns:a14="http://schemas.microsoft.com/office/drawing/2010/main" w="12700" cap="sq">
                 <a:solidFill>
                   <a:srgbClr val="000000"/>
                 </a:solidFill>
@@ -26924,14 +27764,14 @@
           </a:ln>
           <a:extLst>
             <a:ext uri="{909E8E84-426E-40dd-AFC4-6F175D3DCCD1}">
-              <a14:hiddenFill xmlns:a14="http://schemas.microsoft.com/office/drawing/2010/main" xmlns="">
+              <a14:hiddenFill xmlns="" xmlns:a14="http://schemas.microsoft.com/office/drawing/2010/main">
                 <a:solidFill>
                   <a:srgbClr val="FFFFFF"/>
                 </a:solidFill>
               </a14:hiddenFill>
             </a:ext>
             <a:ext uri="{91240B29-F687-4f45-9708-019B960494DF}">
-              <a14:hiddenLine xmlns:a14="http://schemas.microsoft.com/office/drawing/2010/main" xmlns="" w="9525">
+              <a14:hiddenLine xmlns="" xmlns:a14="http://schemas.microsoft.com/office/drawing/2010/main" w="9525">
                 <a:solidFill>
                   <a:srgbClr val="000000"/>
                 </a:solidFill>
@@ -26993,7 +27833,7 @@
           </a:ln>
           <a:extLst>
             <a:ext uri="{91240B29-F687-4f45-9708-019B960494DF}">
-              <a14:hiddenLine xmlns:a14="http://schemas.microsoft.com/office/drawing/2010/main" xmlns="" w="12700" cap="sq">
+              <a14:hiddenLine xmlns="" xmlns:a14="http://schemas.microsoft.com/office/drawing/2010/main" w="12700" cap="sq">
                 <a:solidFill>
                   <a:srgbClr val="000000"/>
                 </a:solidFill>
@@ -27750,14 +28590,14 @@
           <a:ln/>
           <a:extLst>
             <a:ext uri="{909E8E84-426E-40dd-AFC4-6F175D3DCCD1}">
-              <a14:hiddenFill xmlns="" xmlns:a14="http://schemas.microsoft.com/office/drawing/2010/main">
+              <a14:hiddenFill xmlns:a14="http://schemas.microsoft.com/office/drawing/2010/main" xmlns="">
                 <a:solidFill>
                   <a:srgbClr val="FFFFFF"/>
                 </a:solidFill>
               </a14:hiddenFill>
             </a:ext>
             <a:ext uri="{91240B29-F687-4f45-9708-019B960494DF}">
-              <a14:hiddenLine xmlns="" xmlns:a14="http://schemas.microsoft.com/office/drawing/2010/main" w="9525">
+              <a14:hiddenLine xmlns:a14="http://schemas.microsoft.com/office/drawing/2010/main" xmlns="" w="9525">
                 <a:solidFill>
                   <a:srgbClr val="000000"/>
                 </a:solidFill>
@@ -27916,14 +28756,14 @@
           </a:ln>
           <a:extLst>
             <a:ext uri="{909E8E84-426E-40dd-AFC4-6F175D3DCCD1}">
-              <a14:hiddenFill xmlns:a14="http://schemas.microsoft.com/office/drawing/2010/main" xmlns="">
+              <a14:hiddenFill xmlns="" xmlns:a14="http://schemas.microsoft.com/office/drawing/2010/main">
                 <a:solidFill>
                   <a:srgbClr val="FFFFFF"/>
                 </a:solidFill>
               </a14:hiddenFill>
             </a:ext>
             <a:ext uri="{91240B29-F687-4f45-9708-019B960494DF}">
-              <a14:hiddenLine xmlns:a14="http://schemas.microsoft.com/office/drawing/2010/main" xmlns="" w="9525">
+              <a14:hiddenLine xmlns="" xmlns:a14="http://schemas.microsoft.com/office/drawing/2010/main" w="9525">
                 <a:solidFill>
                   <a:srgbClr val="000000"/>
                 </a:solidFill>
@@ -27985,7 +28825,7 @@
           </a:ln>
           <a:extLst>
             <a:ext uri="{91240B29-F687-4f45-9708-019B960494DF}">
-              <a14:hiddenLine xmlns:a14="http://schemas.microsoft.com/office/drawing/2010/main" xmlns="" w="12700" cap="sq">
+              <a14:hiddenLine xmlns="" xmlns:a14="http://schemas.microsoft.com/office/drawing/2010/main" w="12700" cap="sq">
                 <a:solidFill>
                   <a:srgbClr val="000000"/>
                 </a:solidFill>
@@ -28164,14 +29004,14 @@
           </a:ln>
           <a:extLst>
             <a:ext uri="{909E8E84-426E-40dd-AFC4-6F175D3DCCD1}">
-              <a14:hiddenFill xmlns:a14="http://schemas.microsoft.com/office/drawing/2010/main" xmlns="">
+              <a14:hiddenFill xmlns="" xmlns:a14="http://schemas.microsoft.com/office/drawing/2010/main">
                 <a:solidFill>
                   <a:srgbClr val="FFFFFF"/>
                 </a:solidFill>
               </a14:hiddenFill>
             </a:ext>
             <a:ext uri="{91240B29-F687-4f45-9708-019B960494DF}">
-              <a14:hiddenLine xmlns:a14="http://schemas.microsoft.com/office/drawing/2010/main" xmlns="" w="9525">
+              <a14:hiddenLine xmlns="" xmlns:a14="http://schemas.microsoft.com/office/drawing/2010/main" w="9525">
                 <a:solidFill>
                   <a:srgbClr val="000000"/>
                 </a:solidFill>
@@ -28233,7 +29073,7 @@
           </a:ln>
           <a:extLst>
             <a:ext uri="{91240B29-F687-4f45-9708-019B960494DF}">
-              <a14:hiddenLine xmlns:a14="http://schemas.microsoft.com/office/drawing/2010/main" xmlns="" w="12700" cap="sq">
+              <a14:hiddenLine xmlns="" xmlns:a14="http://schemas.microsoft.com/office/drawing/2010/main" w="12700" cap="sq">
                 <a:solidFill>
                   <a:srgbClr val="000000"/>
                 </a:solidFill>
@@ -28829,14 +29669,14 @@
           <a:ln/>
           <a:extLst>
             <a:ext uri="{909E8E84-426E-40dd-AFC4-6F175D3DCCD1}">
-              <a14:hiddenFill xmlns:a14="http://schemas.microsoft.com/office/drawing/2010/main" xmlns="">
+              <a14:hiddenFill xmlns="" xmlns:a14="http://schemas.microsoft.com/office/drawing/2010/main">
                 <a:solidFill>
                   <a:srgbClr val="FFFFFF"/>
                 </a:solidFill>
               </a14:hiddenFill>
             </a:ext>
             <a:ext uri="{91240B29-F687-4f45-9708-019B960494DF}">
-              <a14:hiddenLine xmlns:a14="http://schemas.microsoft.com/office/drawing/2010/main" xmlns="" w="9525">
+              <a14:hiddenLine xmlns="" xmlns:a14="http://schemas.microsoft.com/office/drawing/2010/main" w="9525">
                 <a:solidFill>
                   <a:srgbClr val="000000"/>
                 </a:solidFill>
@@ -28977,7 +29817,7 @@
         </p:nvSpPr>
         <p:spPr bwMode="auto">
           <a:xfrm>
-            <a:off x="1423535" y="3114200"/>
+            <a:off x="1149345" y="3449700"/>
             <a:ext cx="2416046" cy="830997"/>
           </a:xfrm>
           <a:prstGeom prst="rect">
@@ -28991,7 +29831,7 @@
           </a:ln>
           <a:extLst>
             <a:ext uri="{91240B29-F687-4f45-9708-019B960494DF}">
-              <a14:hiddenLine xmlns:a14="http://schemas.microsoft.com/office/drawing/2010/main" xmlns="" w="12700" cap="sq">
+              <a14:hiddenLine xmlns="" xmlns:a14="http://schemas.microsoft.com/office/drawing/2010/main" w="12700" cap="sq">
                 <a:solidFill>
                   <a:srgbClr val="000000"/>
                 </a:solidFill>
@@ -29175,7 +30015,7 @@
           </a:ln>
           <a:extLst>
             <a:ext uri="{909E8E84-426E-40dd-AFC4-6F175D3DCCD1}">
-              <a14:hiddenFill xmlns:a14="http://schemas.microsoft.com/office/drawing/2010/main" xmlns="">
+              <a14:hiddenFill xmlns="" xmlns:a14="http://schemas.microsoft.com/office/drawing/2010/main">
                 <a:solidFill>
                   <a:srgbClr val="FFFFFF"/>
                 </a:solidFill>
@@ -29211,7 +30051,7 @@
         </p:nvSpPr>
         <p:spPr>
           <a:xfrm>
-            <a:off x="381000" y="1831525"/>
+            <a:off x="231295" y="1946951"/>
             <a:ext cx="8423032" cy="2246769"/>
           </a:xfrm>
           <a:prstGeom prst="rect">
@@ -29273,7 +30113,7 @@
         </p:nvSpPr>
         <p:spPr bwMode="auto">
           <a:xfrm>
-            <a:off x="5234944" y="3093500"/>
+            <a:off x="4960754" y="3429000"/>
             <a:ext cx="2787943" cy="830997"/>
           </a:xfrm>
           <a:prstGeom prst="rect">
@@ -29287,7 +30127,7 @@
           </a:ln>
           <a:extLst>
             <a:ext uri="{91240B29-F687-4f45-9708-019B960494DF}">
-              <a14:hiddenLine xmlns:a14="http://schemas.microsoft.com/office/drawing/2010/main" xmlns="" w="12700" cap="sq">
+              <a14:hiddenLine xmlns="" xmlns:a14="http://schemas.microsoft.com/office/drawing/2010/main" w="12700" cap="sq">
                 <a:solidFill>
                   <a:srgbClr val="000000"/>
                 </a:solidFill>
@@ -29442,7 +30282,7 @@
         </p:nvSpPr>
         <p:spPr bwMode="auto">
           <a:xfrm>
-            <a:off x="4036519" y="3334826"/>
+            <a:off x="3762329" y="3670326"/>
             <a:ext cx="1001486" cy="348343"/>
           </a:xfrm>
           <a:prstGeom prst="rightArrow">

--- a/topic02-first-steps/unit-02a-lectures/talk-2/b-first-steps.pptx
+++ b/topic02-first-steps/unit-02a-lectures/talk-2/b-first-steps.pptx
@@ -586,14 +586,14 @@
           </a:ln>
           <a:extLst>
             <a:ext uri="{909E8E84-426E-40dd-AFC4-6F175D3DCCD1}">
-              <a14:hiddenFill xmlns="" xmlns:a14="http://schemas.microsoft.com/office/drawing/2010/main">
+              <a14:hiddenFill xmlns:a14="http://schemas.microsoft.com/office/drawing/2010/main" xmlns="">
                 <a:solidFill>
                   <a:srgbClr val="FFFFFF"/>
                 </a:solidFill>
               </a14:hiddenFill>
             </a:ext>
             <a:ext uri="{FAA26D3D-D897-4be2-8F04-BA451C77F1D7}">
-              <ma14:placeholderFlag xmlns="" xmlns:ma14="http://schemas.microsoft.com/office/mac/drawingml/2011/main" val="1"/>
+              <ma14:placeholderFlag xmlns:ma14="http://schemas.microsoft.com/office/mac/drawingml/2011/main" xmlns="" val="1"/>
             </a:ext>
           </a:extLst>
         </p:spPr>
@@ -1285,7 +1285,7 @@
               <a:pPr>
                 <a:defRPr/>
               </a:pPr>
-              <a:t>1/21/26</a:t>
+              <a:t>1/27/26</a:t>
             </a:fld>
             <a:endParaRPr lang="en-US" altLang="en-US"/>
           </a:p>
@@ -1715,7 +1715,7 @@
               <a:pPr>
                 <a:defRPr/>
               </a:pPr>
-              <a:t>1/21/26</a:t>
+              <a:t>1/27/26</a:t>
             </a:fld>
             <a:endParaRPr lang="en-US" altLang="en-US"/>
           </a:p>
@@ -2067,7 +2067,7 @@
               <a:pPr>
                 <a:defRPr/>
               </a:pPr>
-              <a:t>1/21/26</a:t>
+              <a:t>1/27/26</a:t>
             </a:fld>
             <a:endParaRPr lang="en-US" altLang="en-US"/>
           </a:p>
@@ -2488,7 +2488,7 @@
               <a:pPr>
                 <a:defRPr/>
               </a:pPr>
-              <a:t>1/21/26</a:t>
+              <a:t>1/27/26</a:t>
             </a:fld>
             <a:endParaRPr lang="en-US" altLang="en-US"/>
           </a:p>
@@ -3072,7 +3072,7 @@
               <a:pPr>
                 <a:defRPr/>
               </a:pPr>
-              <a:t>1/21/26</a:t>
+              <a:t>1/27/26</a:t>
             </a:fld>
             <a:endParaRPr lang="en-US" altLang="en-US"/>
           </a:p>
@@ -3769,7 +3769,7 @@
               <a:pPr>
                 <a:defRPr/>
               </a:pPr>
-              <a:t>1/21/26</a:t>
+              <a:t>1/27/26</a:t>
             </a:fld>
             <a:endParaRPr lang="en-US" altLang="en-US"/>
           </a:p>
@@ -4698,7 +4698,7 @@
               <a:pPr>
                 <a:defRPr/>
               </a:pPr>
-              <a:t>1/21/26</a:t>
+              <a:t>1/27/26</a:t>
             </a:fld>
             <a:endParaRPr lang="en-US" altLang="en-US"/>
           </a:p>
@@ -5027,7 +5027,7 @@
               <a:pPr>
                 <a:defRPr/>
               </a:pPr>
-              <a:t>1/21/26</a:t>
+              <a:t>1/27/26</a:t>
             </a:fld>
             <a:endParaRPr lang="en-US" altLang="en-US"/>
           </a:p>
@@ -5309,7 +5309,7 @@
               <a:pPr>
                 <a:defRPr/>
               </a:pPr>
-              <a:t>1/21/26</a:t>
+              <a:t>1/27/26</a:t>
             </a:fld>
             <a:endParaRPr lang="en-US" altLang="en-US"/>
           </a:p>
@@ -5664,7 +5664,7 @@
               <a:pPr>
                 <a:defRPr/>
               </a:pPr>
-              <a:t>1/21/26</a:t>
+              <a:t>1/27/26</a:t>
             </a:fld>
             <a:endParaRPr lang="en-US" altLang="en-US"/>
           </a:p>
@@ -6068,7 +6068,7 @@
               <a:pPr>
                 <a:defRPr/>
               </a:pPr>
-              <a:t>1/21/26</a:t>
+              <a:t>1/27/26</a:t>
             </a:fld>
             <a:endParaRPr lang="en-US" altLang="en-US"/>
           </a:p>
@@ -6459,7 +6459,7 @@
               <a:pPr>
                 <a:defRPr/>
               </a:pPr>
-              <a:t>1/21/26</a:t>
+              <a:t>1/27/26</a:t>
             </a:fld>
             <a:endParaRPr lang="en-US" altLang="en-US"/>
           </a:p>
@@ -6980,7 +6980,7 @@
               <a:pPr>
                 <a:defRPr/>
               </a:pPr>
-              <a:t>1/21/26</a:t>
+              <a:t>1/27/26</a:t>
             </a:fld>
             <a:endParaRPr lang="en-US" altLang="en-US"/>
           </a:p>
@@ -7266,7 +7266,7 @@
               <a:pPr>
                 <a:defRPr/>
               </a:pPr>
-              <a:t>1/21/26</a:t>
+              <a:t>1/27/26</a:t>
             </a:fld>
             <a:endParaRPr lang="en-US" altLang="en-US"/>
           </a:p>
@@ -7451,7 +7451,7 @@
               <a:pPr>
                 <a:defRPr/>
               </a:pPr>
-              <a:t>1/21/26</a:t>
+              <a:t>1/27/26</a:t>
             </a:fld>
             <a:endParaRPr lang="en-US" altLang="en-US"/>
           </a:p>
@@ -7856,7 +7856,7 @@
               <a:pPr>
                 <a:defRPr/>
               </a:pPr>
-              <a:t>1/21/26</a:t>
+              <a:t>1/27/26</a:t>
             </a:fld>
             <a:endParaRPr lang="en-US" altLang="en-US"/>
           </a:p>
@@ -8283,7 +8283,7 @@
               <a:pPr>
                 <a:defRPr/>
               </a:pPr>
-              <a:t>1/21/26</a:t>
+              <a:t>1/27/26</a:t>
             </a:fld>
             <a:endParaRPr lang="en-US" altLang="en-US"/>
           </a:p>
@@ -8545,7 +8545,7 @@
               <a:pPr>
                 <a:defRPr/>
               </a:pPr>
-              <a:t>1/21/26</a:t>
+              <a:t>1/27/26</a:t>
             </a:fld>
             <a:endParaRPr lang="en-US" altLang="en-US"/>
           </a:p>
@@ -8986,14 +8986,14 @@
           <a:ln/>
           <a:extLst>
             <a:ext uri="{909E8E84-426E-40dd-AFC4-6F175D3DCCD1}">
-              <a14:hiddenFill xmlns="" xmlns:a14="http://schemas.microsoft.com/office/drawing/2010/main">
+              <a14:hiddenFill xmlns:a14="http://schemas.microsoft.com/office/drawing/2010/main" xmlns="">
                 <a:solidFill>
                   <a:srgbClr val="FFFFFF"/>
                 </a:solidFill>
               </a14:hiddenFill>
             </a:ext>
             <a:ext uri="{91240B29-F687-4f45-9708-019B960494DF}">
-              <a14:hiddenLine xmlns="" xmlns:a14="http://schemas.microsoft.com/office/drawing/2010/main" w="9525">
+              <a14:hiddenLine xmlns:a14="http://schemas.microsoft.com/office/drawing/2010/main" xmlns="" w="9525">
                 <a:solidFill>
                   <a:srgbClr val="000000"/>
                 </a:solidFill>
@@ -9146,14 +9146,14 @@
           </a:ln>
           <a:extLst>
             <a:ext uri="{909E8E84-426E-40dd-AFC4-6F175D3DCCD1}">
-              <a14:hiddenFill xmlns="" xmlns:a14="http://schemas.microsoft.com/office/drawing/2010/main">
+              <a14:hiddenFill xmlns:a14="http://schemas.microsoft.com/office/drawing/2010/main" xmlns="">
                 <a:solidFill>
                   <a:srgbClr val="FFFFFF"/>
                 </a:solidFill>
               </a14:hiddenFill>
             </a:ext>
             <a:ext uri="{91240B29-F687-4f45-9708-019B960494DF}">
-              <a14:hiddenLine xmlns="" xmlns:a14="http://schemas.microsoft.com/office/drawing/2010/main" w="9525">
+              <a14:hiddenLine xmlns:a14="http://schemas.microsoft.com/office/drawing/2010/main" xmlns="" w="9525">
                 <a:solidFill>
                   <a:srgbClr val="000000"/>
                 </a:solidFill>
@@ -9312,14 +9312,14 @@
           </a:ln>
           <a:extLst>
             <a:ext uri="{909E8E84-426E-40dd-AFC4-6F175D3DCCD1}">
-              <a14:hiddenFill xmlns="" xmlns:a14="http://schemas.microsoft.com/office/drawing/2010/main">
+              <a14:hiddenFill xmlns:a14="http://schemas.microsoft.com/office/drawing/2010/main" xmlns="">
                 <a:solidFill>
                   <a:srgbClr val="FFFFFF"/>
                 </a:solidFill>
               </a14:hiddenFill>
             </a:ext>
             <a:ext uri="{91240B29-F687-4f45-9708-019B960494DF}">
-              <a14:hiddenLine xmlns="" xmlns:a14="http://schemas.microsoft.com/office/drawing/2010/main" w="9525">
+              <a14:hiddenLine xmlns:a14="http://schemas.microsoft.com/office/drawing/2010/main" xmlns="" w="9525">
                 <a:solidFill>
                   <a:srgbClr val="000000"/>
                 </a:solidFill>
@@ -9336,8 +9336,12 @@
           <a:p>
             <a:pPr algn="ctr"/>
             <a:r>
+              <a:rPr kumimoji="1" lang="en-US" sz="3200"/>
+              <a:t>Topic </a:t>
+            </a:r>
+            <a:r>
               <a:rPr kumimoji="1" lang="en-US" sz="3200" dirty="0"/>
-              <a:t>Chapter 2 - First Steps</a:t>
+              <a:t>2 - First Steps</a:t>
             </a:r>
           </a:p>
           <a:p>
@@ -9384,14 +9388,14 @@
           </a:ln>
           <a:extLst>
             <a:ext uri="{909E8E84-426E-40dd-AFC4-6F175D3DCCD1}">
-              <a14:hiddenFill xmlns="" xmlns:a14="http://schemas.microsoft.com/office/drawing/2010/main">
+              <a14:hiddenFill xmlns:a14="http://schemas.microsoft.com/office/drawing/2010/main" xmlns="">
                 <a:solidFill>
                   <a:srgbClr val="FFFFFF"/>
                 </a:solidFill>
               </a14:hiddenFill>
             </a:ext>
             <a:ext uri="{91240B29-F687-4f45-9708-019B960494DF}">
-              <a14:hiddenLine xmlns="" xmlns:a14="http://schemas.microsoft.com/office/drawing/2010/main" w="9525">
+              <a14:hiddenLine xmlns:a14="http://schemas.microsoft.com/office/drawing/2010/main" xmlns="" w="9525">
                 <a:solidFill>
                   <a:srgbClr val="000000"/>
                 </a:solidFill>
@@ -9448,14 +9452,14 @@
           <a:ln/>
           <a:extLst>
             <a:ext uri="{909E8E84-426E-40dd-AFC4-6F175D3DCCD1}">
-              <a14:hiddenFill xmlns="" xmlns:a14="http://schemas.microsoft.com/office/drawing/2010/main">
+              <a14:hiddenFill xmlns:a14="http://schemas.microsoft.com/office/drawing/2010/main" xmlns="">
                 <a:solidFill>
                   <a:srgbClr val="FFFFFF"/>
                 </a:solidFill>
               </a14:hiddenFill>
             </a:ext>
             <a:ext uri="{91240B29-F687-4f45-9708-019B960494DF}">
-              <a14:hiddenLine xmlns="" xmlns:a14="http://schemas.microsoft.com/office/drawing/2010/main" w="9525">
+              <a14:hiddenLine xmlns:a14="http://schemas.microsoft.com/office/drawing/2010/main" xmlns="" w="9525">
                 <a:solidFill>
                   <a:srgbClr val="000000"/>
                 </a:solidFill>
@@ -9608,14 +9612,14 @@
           </a:ln>
           <a:extLst>
             <a:ext uri="{909E8E84-426E-40dd-AFC4-6F175D3DCCD1}">
-              <a14:hiddenFill xmlns="" xmlns:a14="http://schemas.microsoft.com/office/drawing/2010/main">
+              <a14:hiddenFill xmlns:a14="http://schemas.microsoft.com/office/drawing/2010/main" xmlns="">
                 <a:solidFill>
                   <a:srgbClr val="FFFFFF"/>
                 </a:solidFill>
               </a14:hiddenFill>
             </a:ext>
             <a:ext uri="{91240B29-F687-4f45-9708-019B960494DF}">
-              <a14:hiddenLine xmlns="" xmlns:a14="http://schemas.microsoft.com/office/drawing/2010/main" w="12700" cap="sq">
+              <a14:hiddenLine xmlns:a14="http://schemas.microsoft.com/office/drawing/2010/main" xmlns="" w="12700" cap="sq">
                 <a:solidFill>
                   <a:srgbClr val="000000"/>
                 </a:solidFill>
@@ -9778,7 +9782,7 @@
           </a:ln>
           <a:extLst>
             <a:ext uri="{91240B29-F687-4f45-9708-019B960494DF}">
-              <a14:hiddenLine xmlns="" xmlns:a14="http://schemas.microsoft.com/office/drawing/2010/main" w="12700" cap="sq">
+              <a14:hiddenLine xmlns:a14="http://schemas.microsoft.com/office/drawing/2010/main" xmlns="" w="12700" cap="sq">
                 <a:solidFill>
                   <a:srgbClr val="000000"/>
                 </a:solidFill>
@@ -9942,7 +9946,7 @@
           </a:ln>
           <a:extLst>
             <a:ext uri="{909E8E84-426E-40dd-AFC4-6F175D3DCCD1}">
-              <a14:hiddenFill xmlns="" xmlns:a14="http://schemas.microsoft.com/office/drawing/2010/main">
+              <a14:hiddenFill xmlns:a14="http://schemas.microsoft.com/office/drawing/2010/main" xmlns="">
                 <a:solidFill>
                   <a:srgbClr val="FFFFFF"/>
                 </a:solidFill>
@@ -10072,14 +10076,14 @@
           <a:ln/>
           <a:extLst>
             <a:ext uri="{909E8E84-426E-40dd-AFC4-6F175D3DCCD1}">
-              <a14:hiddenFill xmlns="" xmlns:a14="http://schemas.microsoft.com/office/drawing/2010/main">
+              <a14:hiddenFill xmlns:a14="http://schemas.microsoft.com/office/drawing/2010/main" xmlns="">
                 <a:solidFill>
                   <a:srgbClr val="FFFFFF"/>
                 </a:solidFill>
               </a14:hiddenFill>
             </a:ext>
             <a:ext uri="{91240B29-F687-4f45-9708-019B960494DF}">
-              <a14:hiddenLine xmlns="" xmlns:a14="http://schemas.microsoft.com/office/drawing/2010/main" w="9525">
+              <a14:hiddenLine xmlns:a14="http://schemas.microsoft.com/office/drawing/2010/main" xmlns="" w="9525">
                 <a:solidFill>
                   <a:srgbClr val="000000"/>
                 </a:solidFill>
@@ -10248,14 +10252,14 @@
             </a:ln>
             <a:extLst>
               <a:ext uri="{909E8E84-426E-40dd-AFC4-6F175D3DCCD1}">
-                <a14:hiddenFill xmlns="" xmlns:a14="http://schemas.microsoft.com/office/drawing/2010/main">
+                <a14:hiddenFill xmlns:a14="http://schemas.microsoft.com/office/drawing/2010/main" xmlns="">
                   <a:solidFill>
                     <a:srgbClr val="FFFFFF"/>
                   </a:solidFill>
                 </a14:hiddenFill>
               </a:ext>
               <a:ext uri="{91240B29-F687-4f45-9708-019B960494DF}">
-                <a14:hiddenLine xmlns="" xmlns:a14="http://schemas.microsoft.com/office/drawing/2010/main" w="12700" cap="sq">
+                <a14:hiddenLine xmlns:a14="http://schemas.microsoft.com/office/drawing/2010/main" xmlns="" w="12700" cap="sq">
                   <a:solidFill>
                     <a:srgbClr val="000000"/>
                   </a:solidFill>
@@ -10409,14 +10413,14 @@
             </a:ln>
             <a:extLst>
               <a:ext uri="{909E8E84-426E-40dd-AFC4-6F175D3DCCD1}">
-                <a14:hiddenFill xmlns="" xmlns:a14="http://schemas.microsoft.com/office/drawing/2010/main">
+                <a14:hiddenFill xmlns:a14="http://schemas.microsoft.com/office/drawing/2010/main" xmlns="">
                   <a:solidFill>
                     <a:srgbClr val="FFFFFF"/>
                   </a:solidFill>
                 </a14:hiddenFill>
               </a:ext>
               <a:ext uri="{91240B29-F687-4f45-9708-019B960494DF}">
-                <a14:hiddenLine xmlns="" xmlns:a14="http://schemas.microsoft.com/office/drawing/2010/main" w="12700" cap="sq">
+                <a14:hiddenLine xmlns:a14="http://schemas.microsoft.com/office/drawing/2010/main" xmlns="" w="12700" cap="sq">
                   <a:solidFill>
                     <a:srgbClr val="000000"/>
                   </a:solidFill>
@@ -10573,7 +10577,7 @@
             </a:ln>
             <a:extLst>
               <a:ext uri="{91240B29-F687-4f45-9708-019B960494DF}">
-                <a14:hiddenLine xmlns="" xmlns:a14="http://schemas.microsoft.com/office/drawing/2010/main" w="12700" cap="sq">
+                <a14:hiddenLine xmlns:a14="http://schemas.microsoft.com/office/drawing/2010/main" xmlns="" w="12700" cap="sq">
                   <a:solidFill>
                     <a:srgbClr val="000000"/>
                   </a:solidFill>
@@ -10731,7 +10735,7 @@
             </a:ln>
             <a:extLst>
               <a:ext uri="{91240B29-F687-4f45-9708-019B960494DF}">
-                <a14:hiddenLine xmlns="" xmlns:a14="http://schemas.microsoft.com/office/drawing/2010/main" w="12700" cap="sq">
+                <a14:hiddenLine xmlns:a14="http://schemas.microsoft.com/office/drawing/2010/main" xmlns="" w="12700" cap="sq">
                   <a:solidFill>
                     <a:srgbClr val="000000"/>
                   </a:solidFill>
@@ -10889,7 +10893,7 @@
             </a:ln>
             <a:extLst>
               <a:ext uri="{91240B29-F687-4f45-9708-019B960494DF}">
-                <a14:hiddenLine xmlns="" xmlns:a14="http://schemas.microsoft.com/office/drawing/2010/main" w="12700" cap="sq">
+                <a14:hiddenLine xmlns:a14="http://schemas.microsoft.com/office/drawing/2010/main" xmlns="" w="12700" cap="sq">
                   <a:solidFill>
                     <a:srgbClr val="000000"/>
                   </a:solidFill>
@@ -11047,7 +11051,7 @@
             </a:ln>
             <a:extLst>
               <a:ext uri="{91240B29-F687-4f45-9708-019B960494DF}">
-                <a14:hiddenLine xmlns="" xmlns:a14="http://schemas.microsoft.com/office/drawing/2010/main" w="12700" cap="sq">
+                <a14:hiddenLine xmlns:a14="http://schemas.microsoft.com/office/drawing/2010/main" xmlns="" w="12700" cap="sq">
                   <a:solidFill>
                     <a:srgbClr val="000000"/>
                   </a:solidFill>
@@ -11205,7 +11209,7 @@
             </a:ln>
             <a:extLst>
               <a:ext uri="{91240B29-F687-4f45-9708-019B960494DF}">
-                <a14:hiddenLine xmlns="" xmlns:a14="http://schemas.microsoft.com/office/drawing/2010/main" w="12700" cap="sq">
+                <a14:hiddenLine xmlns:a14="http://schemas.microsoft.com/office/drawing/2010/main" xmlns="" w="12700" cap="sq">
                   <a:solidFill>
                     <a:srgbClr val="000000"/>
                   </a:solidFill>
@@ -11363,7 +11367,7 @@
             </a:ln>
             <a:extLst>
               <a:ext uri="{91240B29-F687-4f45-9708-019B960494DF}">
-                <a14:hiddenLine xmlns="" xmlns:a14="http://schemas.microsoft.com/office/drawing/2010/main" w="12700" cap="sq">
+                <a14:hiddenLine xmlns:a14="http://schemas.microsoft.com/office/drawing/2010/main" xmlns="" w="12700" cap="sq">
                   <a:solidFill>
                     <a:srgbClr val="000000"/>
                   </a:solidFill>
@@ -11521,7 +11525,7 @@
             </a:ln>
             <a:extLst>
               <a:ext uri="{91240B29-F687-4f45-9708-019B960494DF}">
-                <a14:hiddenLine xmlns="" xmlns:a14="http://schemas.microsoft.com/office/drawing/2010/main" w="12700" cap="sq">
+                <a14:hiddenLine xmlns:a14="http://schemas.microsoft.com/office/drawing/2010/main" xmlns="" w="12700" cap="sq">
                   <a:solidFill>
                     <a:srgbClr val="000000"/>
                   </a:solidFill>
@@ -11679,7 +11683,7 @@
             </a:ln>
             <a:extLst>
               <a:ext uri="{91240B29-F687-4f45-9708-019B960494DF}">
-                <a14:hiddenLine xmlns="" xmlns:a14="http://schemas.microsoft.com/office/drawing/2010/main" w="12700" cap="sq">
+                <a14:hiddenLine xmlns:a14="http://schemas.microsoft.com/office/drawing/2010/main" xmlns="" w="12700" cap="sq">
                   <a:solidFill>
                     <a:srgbClr val="000000"/>
                   </a:solidFill>
@@ -11837,7 +11841,7 @@
             </a:ln>
             <a:extLst>
               <a:ext uri="{91240B29-F687-4f45-9708-019B960494DF}">
-                <a14:hiddenLine xmlns="" xmlns:a14="http://schemas.microsoft.com/office/drawing/2010/main" w="12700" cap="sq">
+                <a14:hiddenLine xmlns:a14="http://schemas.microsoft.com/office/drawing/2010/main" xmlns="" w="12700" cap="sq">
                   <a:solidFill>
                     <a:srgbClr val="000000"/>
                   </a:solidFill>
@@ -11995,7 +11999,7 @@
             </a:ln>
             <a:extLst>
               <a:ext uri="{91240B29-F687-4f45-9708-019B960494DF}">
-                <a14:hiddenLine xmlns="" xmlns:a14="http://schemas.microsoft.com/office/drawing/2010/main" w="12700" cap="sq">
+                <a14:hiddenLine xmlns:a14="http://schemas.microsoft.com/office/drawing/2010/main" xmlns="" w="12700" cap="sq">
                   <a:solidFill>
                     <a:srgbClr val="000000"/>
                   </a:solidFill>
@@ -12353,14 +12357,14 @@
           <a:ln/>
           <a:extLst>
             <a:ext uri="{909E8E84-426E-40dd-AFC4-6F175D3DCCD1}">
-              <a14:hiddenFill xmlns="" xmlns:a14="http://schemas.microsoft.com/office/drawing/2010/main">
+              <a14:hiddenFill xmlns:a14="http://schemas.microsoft.com/office/drawing/2010/main" xmlns="">
                 <a:solidFill>
                   <a:srgbClr val="FFFFFF"/>
                 </a:solidFill>
               </a14:hiddenFill>
             </a:ext>
             <a:ext uri="{91240B29-F687-4f45-9708-019B960494DF}">
-              <a14:hiddenLine xmlns="" xmlns:a14="http://schemas.microsoft.com/office/drawing/2010/main" w="9525">
+              <a14:hiddenLine xmlns:a14="http://schemas.microsoft.com/office/drawing/2010/main" xmlns="" w="9525">
                 <a:solidFill>
                   <a:srgbClr val="000000"/>
                 </a:solidFill>
@@ -12521,7 +12525,7 @@
           </a:ln>
           <a:extLst>
             <a:ext uri="{91240B29-F687-4f45-9708-019B960494DF}">
-              <a14:hiddenLine xmlns="" xmlns:a14="http://schemas.microsoft.com/office/drawing/2010/main" w="12700" cap="sq">
+              <a14:hiddenLine xmlns:a14="http://schemas.microsoft.com/office/drawing/2010/main" xmlns="" w="12700" cap="sq">
                 <a:solidFill>
                   <a:srgbClr val="000000"/>
                 </a:solidFill>
@@ -12692,7 +12696,7 @@
           </a:ln>
           <a:extLst>
             <a:ext uri="{91240B29-F687-4f45-9708-019B960494DF}">
-              <a14:hiddenLine xmlns="" xmlns:a14="http://schemas.microsoft.com/office/drawing/2010/main" w="12700" cap="sq">
+              <a14:hiddenLine xmlns:a14="http://schemas.microsoft.com/office/drawing/2010/main" xmlns="" w="12700" cap="sq">
                 <a:solidFill>
                   <a:srgbClr val="000000"/>
                 </a:solidFill>
@@ -13703,14 +13707,14 @@
           <a:ln/>
           <a:extLst>
             <a:ext uri="{909E8E84-426E-40dd-AFC4-6F175D3DCCD1}">
-              <a14:hiddenFill xmlns="" xmlns:a14="http://schemas.microsoft.com/office/drawing/2010/main">
+              <a14:hiddenFill xmlns:a14="http://schemas.microsoft.com/office/drawing/2010/main" xmlns="">
                 <a:solidFill>
                   <a:srgbClr val="FFFFFF"/>
                 </a:solidFill>
               </a14:hiddenFill>
             </a:ext>
             <a:ext uri="{91240B29-F687-4f45-9708-019B960494DF}">
-              <a14:hiddenLine xmlns="" xmlns:a14="http://schemas.microsoft.com/office/drawing/2010/main" w="9525">
+              <a14:hiddenLine xmlns:a14="http://schemas.microsoft.com/office/drawing/2010/main" xmlns="" w="9525">
                 <a:solidFill>
                   <a:srgbClr val="000000"/>
                 </a:solidFill>
@@ -13865,7 +13869,7 @@
           </a:ln>
           <a:extLst>
             <a:ext uri="{91240B29-F687-4f45-9708-019B960494DF}">
-              <a14:hiddenLine xmlns="" xmlns:a14="http://schemas.microsoft.com/office/drawing/2010/main" w="12700" cap="sq">
+              <a14:hiddenLine xmlns:a14="http://schemas.microsoft.com/office/drawing/2010/main" xmlns="" w="12700" cap="sq">
                 <a:solidFill>
                   <a:srgbClr val="000000"/>
                 </a:solidFill>
@@ -13913,14 +13917,14 @@
           </a:ln>
           <a:extLst>
             <a:ext uri="{909E8E84-426E-40dd-AFC4-6F175D3DCCD1}">
-              <a14:hiddenFill xmlns="" xmlns:a14="http://schemas.microsoft.com/office/drawing/2010/main">
+              <a14:hiddenFill xmlns:a14="http://schemas.microsoft.com/office/drawing/2010/main" xmlns="">
                 <a:solidFill>
                   <a:srgbClr val="FFFFFF"/>
                 </a:solidFill>
               </a14:hiddenFill>
             </a:ext>
             <a:ext uri="{91240B29-F687-4f45-9708-019B960494DF}">
-              <a14:hiddenLine xmlns="" xmlns:a14="http://schemas.microsoft.com/office/drawing/2010/main" w="12700" cap="sq">
+              <a14:hiddenLine xmlns:a14="http://schemas.microsoft.com/office/drawing/2010/main" xmlns="" w="12700" cap="sq">
                 <a:solidFill>
                   <a:srgbClr val="000000"/>
                 </a:solidFill>
@@ -14145,14 +14149,14 @@
           </a:ln>
           <a:extLst>
             <a:ext uri="{909E8E84-426E-40dd-AFC4-6F175D3DCCD1}">
-              <a14:hiddenFill xmlns="" xmlns:a14="http://schemas.microsoft.com/office/drawing/2010/main">
+              <a14:hiddenFill xmlns:a14="http://schemas.microsoft.com/office/drawing/2010/main" xmlns="">
                 <a:solidFill>
                   <a:srgbClr val="FFFFFF"/>
                 </a:solidFill>
               </a14:hiddenFill>
             </a:ext>
             <a:ext uri="{91240B29-F687-4f45-9708-019B960494DF}">
-              <a14:hiddenLine xmlns="" xmlns:a14="http://schemas.microsoft.com/office/drawing/2010/main" w="9525">
+              <a14:hiddenLine xmlns:a14="http://schemas.microsoft.com/office/drawing/2010/main" xmlns="" w="9525">
                 <a:solidFill>
                   <a:srgbClr val="000000"/>
                 </a:solidFill>
@@ -14277,7 +14281,7 @@
           </a:ln>
           <a:extLst>
             <a:ext uri="{91240B29-F687-4f45-9708-019B960494DF}">
-              <a14:hiddenLine xmlns="" xmlns:a14="http://schemas.microsoft.com/office/drawing/2010/main" w="12700" cap="sq">
+              <a14:hiddenLine xmlns:a14="http://schemas.microsoft.com/office/drawing/2010/main" xmlns="" w="12700" cap="sq">
                 <a:solidFill>
                   <a:srgbClr val="000000"/>
                 </a:solidFill>
@@ -15061,14 +15065,14 @@
           <a:ln/>
           <a:extLst>
             <a:ext uri="{909E8E84-426E-40dd-AFC4-6F175D3DCCD1}">
-              <a14:hiddenFill xmlns="" xmlns:a14="http://schemas.microsoft.com/office/drawing/2010/main">
+              <a14:hiddenFill xmlns:a14="http://schemas.microsoft.com/office/drawing/2010/main" xmlns="">
                 <a:solidFill>
                   <a:srgbClr val="FFFFFF"/>
                 </a:solidFill>
               </a14:hiddenFill>
             </a:ext>
             <a:ext uri="{91240B29-F687-4f45-9708-019B960494DF}">
-              <a14:hiddenLine xmlns="" xmlns:a14="http://schemas.microsoft.com/office/drawing/2010/main" w="9525">
+              <a14:hiddenLine xmlns:a14="http://schemas.microsoft.com/office/drawing/2010/main" xmlns="" w="9525">
                 <a:solidFill>
                   <a:srgbClr val="000000"/>
                 </a:solidFill>
@@ -15221,14 +15225,14 @@
           </a:ln>
           <a:extLst>
             <a:ext uri="{909E8E84-426E-40dd-AFC4-6F175D3DCCD1}">
-              <a14:hiddenFill xmlns="" xmlns:a14="http://schemas.microsoft.com/office/drawing/2010/main">
+              <a14:hiddenFill xmlns:a14="http://schemas.microsoft.com/office/drawing/2010/main" xmlns="">
                 <a:solidFill>
                   <a:srgbClr val="FFFFFF"/>
                 </a:solidFill>
               </a14:hiddenFill>
             </a:ext>
             <a:ext uri="{91240B29-F687-4f45-9708-019B960494DF}">
-              <a14:hiddenLine xmlns="" xmlns:a14="http://schemas.microsoft.com/office/drawing/2010/main" w="12700" cap="sq">
+              <a14:hiddenLine xmlns:a14="http://schemas.microsoft.com/office/drawing/2010/main" xmlns="" w="12700" cap="sq">
                 <a:solidFill>
                   <a:srgbClr val="000000"/>
                 </a:solidFill>
@@ -15725,14 +15729,14 @@
           <a:ln/>
           <a:extLst>
             <a:ext uri="{909E8E84-426E-40dd-AFC4-6F175D3DCCD1}">
-              <a14:hiddenFill xmlns="" xmlns:a14="http://schemas.microsoft.com/office/drawing/2010/main">
+              <a14:hiddenFill xmlns:a14="http://schemas.microsoft.com/office/drawing/2010/main" xmlns="">
                 <a:solidFill>
                   <a:srgbClr val="FFFFFF"/>
                 </a:solidFill>
               </a14:hiddenFill>
             </a:ext>
             <a:ext uri="{91240B29-F687-4f45-9708-019B960494DF}">
-              <a14:hiddenLine xmlns="" xmlns:a14="http://schemas.microsoft.com/office/drawing/2010/main" w="9525">
+              <a14:hiddenLine xmlns:a14="http://schemas.microsoft.com/office/drawing/2010/main" xmlns="" w="9525">
                 <a:solidFill>
                   <a:srgbClr val="000000"/>
                 </a:solidFill>
@@ -15887,7 +15891,7 @@
           </a:ln>
           <a:extLst>
             <a:ext uri="{91240B29-F687-4f45-9708-019B960494DF}">
-              <a14:hiddenLine xmlns="" xmlns:a14="http://schemas.microsoft.com/office/drawing/2010/main" w="12700" cap="sq">
+              <a14:hiddenLine xmlns:a14="http://schemas.microsoft.com/office/drawing/2010/main" xmlns="" w="12700" cap="sq">
                 <a:solidFill>
                   <a:srgbClr val="000000"/>
                 </a:solidFill>
@@ -16048,7 +16052,7 @@
           </a:ln>
           <a:extLst>
             <a:ext uri="{91240B29-F687-4f45-9708-019B960494DF}">
-              <a14:hiddenLine xmlns="" xmlns:a14="http://schemas.microsoft.com/office/drawing/2010/main" w="12700" cap="sq">
+              <a14:hiddenLine xmlns:a14="http://schemas.microsoft.com/office/drawing/2010/main" xmlns="" w="12700" cap="sq">
                 <a:solidFill>
                   <a:srgbClr val="000000"/>
                 </a:solidFill>
@@ -16206,7 +16210,7 @@
           </a:ln>
           <a:extLst>
             <a:ext uri="{91240B29-F687-4f45-9708-019B960494DF}">
-              <a14:hiddenLine xmlns="" xmlns:a14="http://schemas.microsoft.com/office/drawing/2010/main" w="12700" cap="sq">
+              <a14:hiddenLine xmlns:a14="http://schemas.microsoft.com/office/drawing/2010/main" xmlns="" w="12700" cap="sq">
                 <a:solidFill>
                   <a:srgbClr val="000000"/>
                 </a:solidFill>
@@ -16364,7 +16368,7 @@
           </a:ln>
           <a:extLst>
             <a:ext uri="{91240B29-F687-4f45-9708-019B960494DF}">
-              <a14:hiddenLine xmlns="" xmlns:a14="http://schemas.microsoft.com/office/drawing/2010/main" w="12700" cap="sq">
+              <a14:hiddenLine xmlns:a14="http://schemas.microsoft.com/office/drawing/2010/main" xmlns="" w="12700" cap="sq">
                 <a:solidFill>
                   <a:srgbClr val="000000"/>
                 </a:solidFill>
@@ -16529,14 +16533,14 @@
           </a:ln>
           <a:extLst>
             <a:ext uri="{909E8E84-426E-40dd-AFC4-6F175D3DCCD1}">
-              <a14:hiddenFill xmlns="" xmlns:a14="http://schemas.microsoft.com/office/drawing/2010/main">
+              <a14:hiddenFill xmlns:a14="http://schemas.microsoft.com/office/drawing/2010/main" xmlns="">
                 <a:solidFill>
                   <a:srgbClr val="FFFFFF"/>
                 </a:solidFill>
               </a14:hiddenFill>
             </a:ext>
             <a:ext uri="{91240B29-F687-4f45-9708-019B960494DF}">
-              <a14:hiddenLine xmlns="" xmlns:a14="http://schemas.microsoft.com/office/drawing/2010/main" w="9525">
+              <a14:hiddenLine xmlns:a14="http://schemas.microsoft.com/office/drawing/2010/main" xmlns="" w="9525">
                 <a:solidFill>
                   <a:srgbClr val="000000"/>
                 </a:solidFill>
@@ -16616,7 +16620,7 @@
             </a:ln>
             <a:extLst>
               <a:ext uri="{91240B29-F687-4f45-9708-019B960494DF}">
-                <a14:hiddenLine xmlns="" xmlns:a14="http://schemas.microsoft.com/office/drawing/2010/main" w="12700" cap="sq">
+                <a14:hiddenLine xmlns:a14="http://schemas.microsoft.com/office/drawing/2010/main" xmlns="" w="12700" cap="sq">
                   <a:solidFill>
                     <a:srgbClr val="000000"/>
                   </a:solidFill>
@@ -16774,7 +16778,7 @@
             </a:ln>
             <a:extLst>
               <a:ext uri="{91240B29-F687-4f45-9708-019B960494DF}">
-                <a14:hiddenLine xmlns="" xmlns:a14="http://schemas.microsoft.com/office/drawing/2010/main" w="12700" cap="sq">
+                <a14:hiddenLine xmlns:a14="http://schemas.microsoft.com/office/drawing/2010/main" xmlns="" w="12700" cap="sq">
                   <a:solidFill>
                     <a:srgbClr val="000000"/>
                   </a:solidFill>
@@ -16932,7 +16936,7 @@
             </a:ln>
             <a:extLst>
               <a:ext uri="{91240B29-F687-4f45-9708-019B960494DF}">
-                <a14:hiddenLine xmlns="" xmlns:a14="http://schemas.microsoft.com/office/drawing/2010/main" w="12700" cap="sq">
+                <a14:hiddenLine xmlns:a14="http://schemas.microsoft.com/office/drawing/2010/main" xmlns="" w="12700" cap="sq">
                   <a:solidFill>
                     <a:srgbClr val="000000"/>
                   </a:solidFill>
@@ -17295,7 +17299,7 @@
           </a:ln>
           <a:extLst>
             <a:ext uri="{91240B29-F687-4f45-9708-019B960494DF}">
-              <a14:hiddenLine xmlns="" xmlns:a14="http://schemas.microsoft.com/office/drawing/2010/main" w="12700" cap="sq">
+              <a14:hiddenLine xmlns:a14="http://schemas.microsoft.com/office/drawing/2010/main" xmlns="" w="12700" cap="sq">
                 <a:solidFill>
                   <a:srgbClr val="000000"/>
                 </a:solidFill>
@@ -17864,7 +17868,7 @@
           </a:ln>
           <a:extLst>
             <a:ext uri="{91240B29-F687-4f45-9708-019B960494DF}">
-              <a14:hiddenLine xmlns="" xmlns:a14="http://schemas.microsoft.com/office/drawing/2010/main" w="12700" cap="sq">
+              <a14:hiddenLine xmlns:a14="http://schemas.microsoft.com/office/drawing/2010/main" xmlns="" w="12700" cap="sq">
                 <a:solidFill>
                   <a:srgbClr val="000000"/>
                 </a:solidFill>
@@ -17944,7 +17948,7 @@
           </a:ln>
           <a:extLst>
             <a:ext uri="{91240B29-F687-4f45-9708-019B960494DF}">
-              <a14:hiddenLine xmlns="" xmlns:a14="http://schemas.microsoft.com/office/drawing/2010/main" w="12700" cap="sq">
+              <a14:hiddenLine xmlns:a14="http://schemas.microsoft.com/office/drawing/2010/main" xmlns="" w="12700" cap="sq">
                 <a:solidFill>
                   <a:srgbClr val="000000"/>
                 </a:solidFill>
@@ -18000,7 +18004,7 @@
           </a:ln>
           <a:extLst>
             <a:ext uri="{91240B29-F687-4f45-9708-019B960494DF}">
-              <a14:hiddenLine xmlns="" xmlns:a14="http://schemas.microsoft.com/office/drawing/2010/main" w="12700" cap="sq">
+              <a14:hiddenLine xmlns:a14="http://schemas.microsoft.com/office/drawing/2010/main" xmlns="" w="12700" cap="sq">
                 <a:solidFill>
                   <a:srgbClr val="000000"/>
                 </a:solidFill>
@@ -18118,14 +18122,14 @@
           <a:ln/>
           <a:extLst>
             <a:ext uri="{909E8E84-426E-40dd-AFC4-6F175D3DCCD1}">
-              <a14:hiddenFill xmlns="" xmlns:a14="http://schemas.microsoft.com/office/drawing/2010/main">
+              <a14:hiddenFill xmlns:a14="http://schemas.microsoft.com/office/drawing/2010/main" xmlns="">
                 <a:solidFill>
                   <a:srgbClr val="FFFFFF"/>
                 </a:solidFill>
               </a14:hiddenFill>
             </a:ext>
             <a:ext uri="{91240B29-F687-4f45-9708-019B960494DF}">
-              <a14:hiddenLine xmlns="" xmlns:a14="http://schemas.microsoft.com/office/drawing/2010/main" w="9525">
+              <a14:hiddenLine xmlns:a14="http://schemas.microsoft.com/office/drawing/2010/main" xmlns="" w="9525">
                 <a:solidFill>
                   <a:srgbClr val="000000"/>
                 </a:solidFill>
@@ -18278,14 +18282,14 @@
           </a:ln>
           <a:extLst>
             <a:ext uri="{909E8E84-426E-40dd-AFC4-6F175D3DCCD1}">
-              <a14:hiddenFill xmlns="" xmlns:a14="http://schemas.microsoft.com/office/drawing/2010/main">
+              <a14:hiddenFill xmlns:a14="http://schemas.microsoft.com/office/drawing/2010/main" xmlns="">
                 <a:solidFill>
                   <a:srgbClr val="FFFFFF"/>
                 </a:solidFill>
               </a14:hiddenFill>
             </a:ext>
             <a:ext uri="{91240B29-F687-4f45-9708-019B960494DF}">
-              <a14:hiddenLine xmlns="" xmlns:a14="http://schemas.microsoft.com/office/drawing/2010/main" w="12700" cap="sq">
+              <a14:hiddenLine xmlns:a14="http://schemas.microsoft.com/office/drawing/2010/main" xmlns="" w="12700" cap="sq">
                 <a:solidFill>
                   <a:srgbClr val="000000"/>
                 </a:solidFill>
@@ -18472,7 +18476,7 @@
               </a:ln>
               <a:extLst>
                 <a:ext uri="{91240B29-F687-4f45-9708-019B960494DF}">
-                  <a14:hiddenLine xmlns="" xmlns:a14="http://schemas.microsoft.com/office/drawing/2010/main" w="12700" cap="sq">
+                  <a14:hiddenLine xmlns:a14="http://schemas.microsoft.com/office/drawing/2010/main" xmlns="" w="12700" cap="sq">
                     <a:solidFill>
                       <a:srgbClr val="000000"/>
                     </a:solidFill>
@@ -18655,7 +18659,7 @@
               </a:ln>
               <a:extLst>
                 <a:ext uri="{91240B29-F687-4f45-9708-019B960494DF}">
-                  <a14:hiddenLine xmlns="" xmlns:a14="http://schemas.microsoft.com/office/drawing/2010/main" w="12700" cap="sq">
+                  <a14:hiddenLine xmlns:a14="http://schemas.microsoft.com/office/drawing/2010/main" xmlns="" w="12700" cap="sq">
                     <a:solidFill>
                       <a:srgbClr val="000000"/>
                     </a:solidFill>
@@ -18838,7 +18842,7 @@
               </a:ln>
               <a:extLst>
                 <a:ext uri="{91240B29-F687-4f45-9708-019B960494DF}">
-                  <a14:hiddenLine xmlns="" xmlns:a14="http://schemas.microsoft.com/office/drawing/2010/main" w="12700" cap="sq">
+                  <a14:hiddenLine xmlns:a14="http://schemas.microsoft.com/office/drawing/2010/main" xmlns="" w="12700" cap="sq">
                     <a:solidFill>
                       <a:srgbClr val="000000"/>
                     </a:solidFill>
@@ -19057,7 +19061,7 @@
                 </a:ln>
                 <a:extLst>
                   <a:ext uri="{909E8E84-426E-40dd-AFC4-6F175D3DCCD1}">
-                    <a14:hiddenFill xmlns="" xmlns:a14="http://schemas.microsoft.com/office/drawing/2010/main">
+                    <a14:hiddenFill xmlns:a14="http://schemas.microsoft.com/office/drawing/2010/main" xmlns="">
                       <a:noFill/>
                     </a14:hiddenFill>
                   </a:ext>
@@ -19098,7 +19102,7 @@
                 </a:ln>
                 <a:extLst>
                   <a:ext uri="{909E8E84-426E-40dd-AFC4-6F175D3DCCD1}">
-                    <a14:hiddenFill xmlns="" xmlns:a14="http://schemas.microsoft.com/office/drawing/2010/main">
+                    <a14:hiddenFill xmlns:a14="http://schemas.microsoft.com/office/drawing/2010/main" xmlns="">
                       <a:noFill/>
                     </a14:hiddenFill>
                   </a:ext>
@@ -19156,7 +19160,7 @@
                 </a:ln>
                 <a:extLst>
                   <a:ext uri="{909E8E84-426E-40dd-AFC4-6F175D3DCCD1}">
-                    <a14:hiddenFill xmlns="" xmlns:a14="http://schemas.microsoft.com/office/drawing/2010/main">
+                    <a14:hiddenFill xmlns:a14="http://schemas.microsoft.com/office/drawing/2010/main" xmlns="">
                       <a:noFill/>
                     </a14:hiddenFill>
                   </a:ext>
@@ -19197,7 +19201,7 @@
                 </a:ln>
                 <a:extLst>
                   <a:ext uri="{909E8E84-426E-40dd-AFC4-6F175D3DCCD1}">
-                    <a14:hiddenFill xmlns="" xmlns:a14="http://schemas.microsoft.com/office/drawing/2010/main">
+                    <a14:hiddenFill xmlns:a14="http://schemas.microsoft.com/office/drawing/2010/main" xmlns="">
                       <a:noFill/>
                     </a14:hiddenFill>
                   </a:ext>
@@ -19255,7 +19259,7 @@
                 </a:ln>
                 <a:extLst>
                   <a:ext uri="{909E8E84-426E-40dd-AFC4-6F175D3DCCD1}">
-                    <a14:hiddenFill xmlns="" xmlns:a14="http://schemas.microsoft.com/office/drawing/2010/main">
+                    <a14:hiddenFill xmlns:a14="http://schemas.microsoft.com/office/drawing/2010/main" xmlns="">
                       <a:noFill/>
                     </a14:hiddenFill>
                   </a:ext>
@@ -19296,7 +19300,7 @@
                 </a:ln>
                 <a:extLst>
                   <a:ext uri="{909E8E84-426E-40dd-AFC4-6F175D3DCCD1}">
-                    <a14:hiddenFill xmlns="" xmlns:a14="http://schemas.microsoft.com/office/drawing/2010/main">
+                    <a14:hiddenFill xmlns:a14="http://schemas.microsoft.com/office/drawing/2010/main" xmlns="">
                       <a:noFill/>
                     </a14:hiddenFill>
                   </a:ext>
@@ -19505,14 +19509,14 @@
           <a:ln/>
           <a:extLst>
             <a:ext uri="{909E8E84-426E-40dd-AFC4-6F175D3DCCD1}">
-              <a14:hiddenFill xmlns:a14="http://schemas.microsoft.com/office/drawing/2010/main" xmlns="">
+              <a14:hiddenFill xmlns="" xmlns:a14="http://schemas.microsoft.com/office/drawing/2010/main">
                 <a:solidFill>
                   <a:srgbClr val="FFFFFF"/>
                 </a:solidFill>
               </a14:hiddenFill>
             </a:ext>
             <a:ext uri="{91240B29-F687-4f45-9708-019B960494DF}">
-              <a14:hiddenLine xmlns:a14="http://schemas.microsoft.com/office/drawing/2010/main" xmlns="" w="9525">
+              <a14:hiddenLine xmlns="" xmlns:a14="http://schemas.microsoft.com/office/drawing/2010/main" w="9525">
                 <a:solidFill>
                   <a:srgbClr val="000000"/>
                 </a:solidFill>
@@ -19738,14 +19742,14 @@
             </a:ln>
             <a:extLst>
               <a:ext uri="{909E8E84-426E-40dd-AFC4-6F175D3DCCD1}">
-                <a14:hiddenFill xmlns="" xmlns:a14="http://schemas.microsoft.com/office/drawing/2010/main">
+                <a14:hiddenFill xmlns:a14="http://schemas.microsoft.com/office/drawing/2010/main" xmlns="">
                   <a:solidFill>
                     <a:srgbClr val="FFFFFF"/>
                   </a:solidFill>
                 </a14:hiddenFill>
               </a:ext>
               <a:ext uri="{91240B29-F687-4f45-9708-019B960494DF}">
-                <a14:hiddenLine xmlns="" xmlns:a14="http://schemas.microsoft.com/office/drawing/2010/main" w="12700" cap="sq">
+                <a14:hiddenLine xmlns:a14="http://schemas.microsoft.com/office/drawing/2010/main" xmlns="" w="12700" cap="sq">
                   <a:solidFill>
                     <a:srgbClr val="000000"/>
                   </a:solidFill>
@@ -19908,7 +19912,7 @@
           </a:ln>
           <a:extLst>
             <a:ext uri="{91240B29-F687-4f45-9708-019B960494DF}">
-              <a14:hiddenLine xmlns="" xmlns:a14="http://schemas.microsoft.com/office/drawing/2010/main" w="12700" cap="sq">
+              <a14:hiddenLine xmlns:a14="http://schemas.microsoft.com/office/drawing/2010/main" xmlns="" w="12700" cap="sq">
                 <a:solidFill>
                   <a:srgbClr val="000000"/>
                 </a:solidFill>
@@ -20103,7 +20107,7 @@
           </a:ln>
           <a:extLst>
             <a:ext uri="{91240B29-F687-4f45-9708-019B960494DF}">
-              <a14:hiddenLine xmlns="" xmlns:a14="http://schemas.microsoft.com/office/drawing/2010/main" w="12700" cap="sq">
+              <a14:hiddenLine xmlns:a14="http://schemas.microsoft.com/office/drawing/2010/main" xmlns="" w="12700" cap="sq">
                 <a:solidFill>
                   <a:srgbClr val="000000"/>
                 </a:solidFill>
@@ -20305,7 +20309,7 @@
           </a:ln>
           <a:extLst>
             <a:ext uri="{909E8E84-426E-40dd-AFC4-6F175D3DCCD1}">
-              <a14:hiddenFill xmlns="" xmlns:a14="http://schemas.microsoft.com/office/drawing/2010/main">
+              <a14:hiddenFill xmlns:a14="http://schemas.microsoft.com/office/drawing/2010/main" xmlns="">
                 <a:solidFill>
                   <a:srgbClr val="FFFFFF"/>
                 </a:solidFill>
@@ -20364,7 +20368,7 @@
           </a:ln>
           <a:extLst>
             <a:ext uri="{909E8E84-426E-40dd-AFC4-6F175D3DCCD1}">
-              <a14:hiddenFill xmlns="" xmlns:a14="http://schemas.microsoft.com/office/drawing/2010/main">
+              <a14:hiddenFill xmlns:a14="http://schemas.microsoft.com/office/drawing/2010/main" xmlns="">
                 <a:solidFill>
                   <a:srgbClr val="FFFFFF"/>
                 </a:solidFill>
@@ -20414,14 +20418,14 @@
           </a:ln>
           <a:extLst>
             <a:ext uri="{909E8E84-426E-40dd-AFC4-6F175D3DCCD1}">
-              <a14:hiddenFill xmlns="" xmlns:a14="http://schemas.microsoft.com/office/drawing/2010/main">
+              <a14:hiddenFill xmlns:a14="http://schemas.microsoft.com/office/drawing/2010/main" xmlns="">
                 <a:solidFill>
                   <a:srgbClr val="FFFFFF"/>
                 </a:solidFill>
               </a14:hiddenFill>
             </a:ext>
             <a:ext uri="{91240B29-F687-4f45-9708-019B960494DF}">
-              <a14:hiddenLine xmlns="" xmlns:a14="http://schemas.microsoft.com/office/drawing/2010/main" w="12700" cap="sq">
+              <a14:hiddenLine xmlns:a14="http://schemas.microsoft.com/office/drawing/2010/main" xmlns="" w="12700" cap="sq">
                 <a:solidFill>
                   <a:srgbClr val="000000"/>
                 </a:solidFill>
@@ -21312,14 +21316,14 @@
           <a:ln/>
           <a:extLst>
             <a:ext uri="{909E8E84-426E-40dd-AFC4-6F175D3DCCD1}">
-              <a14:hiddenFill xmlns="" xmlns:a14="http://schemas.microsoft.com/office/drawing/2010/main">
+              <a14:hiddenFill xmlns:a14="http://schemas.microsoft.com/office/drawing/2010/main" xmlns="">
                 <a:solidFill>
                   <a:srgbClr val="FFFFFF"/>
                 </a:solidFill>
               </a14:hiddenFill>
             </a:ext>
             <a:ext uri="{91240B29-F687-4f45-9708-019B960494DF}">
-              <a14:hiddenLine xmlns="" xmlns:a14="http://schemas.microsoft.com/office/drawing/2010/main" w="9525">
+              <a14:hiddenLine xmlns:a14="http://schemas.microsoft.com/office/drawing/2010/main" xmlns="" w="9525">
                 <a:solidFill>
                   <a:srgbClr val="000000"/>
                 </a:solidFill>
@@ -21551,14 +21555,14 @@
           <a:ln/>
           <a:extLst>
             <a:ext uri="{909E8E84-426E-40dd-AFC4-6F175D3DCCD1}">
-              <a14:hiddenFill xmlns="" xmlns:a14="http://schemas.microsoft.com/office/drawing/2010/main">
+              <a14:hiddenFill xmlns:a14="http://schemas.microsoft.com/office/drawing/2010/main" xmlns="">
                 <a:solidFill>
                   <a:srgbClr val="FFFFFF"/>
                 </a:solidFill>
               </a14:hiddenFill>
             </a:ext>
             <a:ext uri="{91240B29-F687-4f45-9708-019B960494DF}">
-              <a14:hiddenLine xmlns="" xmlns:a14="http://schemas.microsoft.com/office/drawing/2010/main" w="9525">
+              <a14:hiddenLine xmlns:a14="http://schemas.microsoft.com/office/drawing/2010/main" xmlns="" w="9525">
                 <a:solidFill>
                   <a:srgbClr val="000000"/>
                 </a:solidFill>
@@ -22391,14 +22395,14 @@
           <a:ln/>
           <a:extLst>
             <a:ext uri="{909E8E84-426E-40dd-AFC4-6F175D3DCCD1}">
-              <a14:hiddenFill xmlns="" xmlns:a14="http://schemas.microsoft.com/office/drawing/2010/main">
+              <a14:hiddenFill xmlns:a14="http://schemas.microsoft.com/office/drawing/2010/main" xmlns="">
                 <a:solidFill>
                   <a:srgbClr val="FFFFFF"/>
                 </a:solidFill>
               </a14:hiddenFill>
             </a:ext>
             <a:ext uri="{91240B29-F687-4f45-9708-019B960494DF}">
-              <a14:hiddenLine xmlns="" xmlns:a14="http://schemas.microsoft.com/office/drawing/2010/main" w="9525">
+              <a14:hiddenLine xmlns:a14="http://schemas.microsoft.com/office/drawing/2010/main" xmlns="" w="9525">
                 <a:solidFill>
                   <a:srgbClr val="000000"/>
                 </a:solidFill>
@@ -22553,7 +22557,7 @@
           </a:ln>
           <a:extLst>
             <a:ext uri="{91240B29-F687-4f45-9708-019B960494DF}">
-              <a14:hiddenLine xmlns="" xmlns:a14="http://schemas.microsoft.com/office/drawing/2010/main" w="12700" cap="sq">
+              <a14:hiddenLine xmlns:a14="http://schemas.microsoft.com/office/drawing/2010/main" xmlns="" w="12700" cap="sq">
                 <a:solidFill>
                   <a:srgbClr val="000000"/>
                 </a:solidFill>
@@ -22804,14 +22808,14 @@
           </a:ln>
           <a:extLst>
             <a:ext uri="{909E8E84-426E-40dd-AFC4-6F175D3DCCD1}">
-              <a14:hiddenFill xmlns="" xmlns:a14="http://schemas.microsoft.com/office/drawing/2010/main">
+              <a14:hiddenFill xmlns:a14="http://schemas.microsoft.com/office/drawing/2010/main" xmlns="">
                 <a:solidFill>
                   <a:srgbClr val="FFFFFF"/>
                 </a:solidFill>
               </a14:hiddenFill>
             </a:ext>
             <a:ext uri="{91240B29-F687-4f45-9708-019B960494DF}">
-              <a14:hiddenLine xmlns="" xmlns:a14="http://schemas.microsoft.com/office/drawing/2010/main" w="12700" cap="sq">
+              <a14:hiddenLine xmlns:a14="http://schemas.microsoft.com/office/drawing/2010/main" xmlns="" w="12700" cap="sq">
                 <a:solidFill>
                   <a:srgbClr val="000000"/>
                 </a:solidFill>
@@ -22964,14 +22968,14 @@
           </a:ln>
           <a:extLst>
             <a:ext uri="{909E8E84-426E-40dd-AFC4-6F175D3DCCD1}">
-              <a14:hiddenFill xmlns="" xmlns:a14="http://schemas.microsoft.com/office/drawing/2010/main">
+              <a14:hiddenFill xmlns:a14="http://schemas.microsoft.com/office/drawing/2010/main" xmlns="">
                 <a:solidFill>
                   <a:srgbClr val="FFFFFF"/>
                 </a:solidFill>
               </a14:hiddenFill>
             </a:ext>
             <a:ext uri="{91240B29-F687-4f45-9708-019B960494DF}">
-              <a14:hiddenLine xmlns="" xmlns:a14="http://schemas.microsoft.com/office/drawing/2010/main" w="9525">
+              <a14:hiddenLine xmlns:a14="http://schemas.microsoft.com/office/drawing/2010/main" xmlns="" w="9525">
                 <a:solidFill>
                   <a:srgbClr val="000000"/>
                 </a:solidFill>
@@ -23273,14 +23277,14 @@
           <a:ln/>
           <a:extLst>
             <a:ext uri="{909E8E84-426E-40dd-AFC4-6F175D3DCCD1}">
-              <a14:hiddenFill xmlns="" xmlns:a14="http://schemas.microsoft.com/office/drawing/2010/main">
+              <a14:hiddenFill xmlns:a14="http://schemas.microsoft.com/office/drawing/2010/main" xmlns="">
                 <a:solidFill>
                   <a:srgbClr val="FFFFFF"/>
                 </a:solidFill>
               </a14:hiddenFill>
             </a:ext>
             <a:ext uri="{91240B29-F687-4f45-9708-019B960494DF}">
-              <a14:hiddenLine xmlns="" xmlns:a14="http://schemas.microsoft.com/office/drawing/2010/main" w="9525">
+              <a14:hiddenLine xmlns:a14="http://schemas.microsoft.com/office/drawing/2010/main" xmlns="" w="9525">
                 <a:solidFill>
                   <a:srgbClr val="000000"/>
                 </a:solidFill>
@@ -23433,14 +23437,14 @@
           </a:ln>
           <a:extLst>
             <a:ext uri="{909E8E84-426E-40dd-AFC4-6F175D3DCCD1}">
-              <a14:hiddenFill xmlns="" xmlns:a14="http://schemas.microsoft.com/office/drawing/2010/main">
+              <a14:hiddenFill xmlns:a14="http://schemas.microsoft.com/office/drawing/2010/main" xmlns="">
                 <a:solidFill>
                   <a:srgbClr val="FFFFFF"/>
                 </a:solidFill>
               </a14:hiddenFill>
             </a:ext>
             <a:ext uri="{91240B29-F687-4f45-9708-019B960494DF}">
-              <a14:hiddenLine xmlns="" xmlns:a14="http://schemas.microsoft.com/office/drawing/2010/main" w="12700" cap="sq">
+              <a14:hiddenLine xmlns:a14="http://schemas.microsoft.com/office/drawing/2010/main" xmlns="" w="12700" cap="sq">
                 <a:solidFill>
                   <a:srgbClr val="000000"/>
                 </a:solidFill>
@@ -23615,7 +23619,7 @@
           </a:ln>
           <a:extLst>
             <a:ext uri="{91240B29-F687-4f45-9708-019B960494DF}">
-              <a14:hiddenLine xmlns="" xmlns:a14="http://schemas.microsoft.com/office/drawing/2010/main" w="12700" cap="sq">
+              <a14:hiddenLine xmlns:a14="http://schemas.microsoft.com/office/drawing/2010/main" xmlns="" w="12700" cap="sq">
                 <a:solidFill>
                   <a:srgbClr val="000000"/>
                 </a:solidFill>
@@ -24021,14 +24025,14 @@
           <a:ln/>
           <a:extLst>
             <a:ext uri="{909E8E84-426E-40dd-AFC4-6F175D3DCCD1}">
-              <a14:hiddenFill xmlns="" xmlns:a14="http://schemas.microsoft.com/office/drawing/2010/main">
+              <a14:hiddenFill xmlns:a14="http://schemas.microsoft.com/office/drawing/2010/main" xmlns="">
                 <a:solidFill>
                   <a:srgbClr val="FFFFFF"/>
                 </a:solidFill>
               </a14:hiddenFill>
             </a:ext>
             <a:ext uri="{91240B29-F687-4f45-9708-019B960494DF}">
-              <a14:hiddenLine xmlns="" xmlns:a14="http://schemas.microsoft.com/office/drawing/2010/main" w="9525">
+              <a14:hiddenLine xmlns:a14="http://schemas.microsoft.com/office/drawing/2010/main" xmlns="" w="9525">
                 <a:solidFill>
                   <a:srgbClr val="000000"/>
                 </a:solidFill>
@@ -24181,14 +24185,14 @@
           </a:ln>
           <a:extLst>
             <a:ext uri="{909E8E84-426E-40dd-AFC4-6F175D3DCCD1}">
-              <a14:hiddenFill xmlns="" xmlns:a14="http://schemas.microsoft.com/office/drawing/2010/main">
+              <a14:hiddenFill xmlns:a14="http://schemas.microsoft.com/office/drawing/2010/main" xmlns="">
                 <a:solidFill>
                   <a:srgbClr val="FFFFFF"/>
                 </a:solidFill>
               </a14:hiddenFill>
             </a:ext>
             <a:ext uri="{91240B29-F687-4f45-9708-019B960494DF}">
-              <a14:hiddenLine xmlns="" xmlns:a14="http://schemas.microsoft.com/office/drawing/2010/main" w="12700" cap="sq">
+              <a14:hiddenLine xmlns:a14="http://schemas.microsoft.com/office/drawing/2010/main" xmlns="" w="12700" cap="sq">
                 <a:solidFill>
                   <a:srgbClr val="000000"/>
                 </a:solidFill>
@@ -24433,7 +24437,7 @@
           </a:ln>
           <a:extLst>
             <a:ext uri="{91240B29-F687-4f45-9708-019B960494DF}">
-              <a14:hiddenLine xmlns="" xmlns:a14="http://schemas.microsoft.com/office/drawing/2010/main" w="12700" cap="sq">
+              <a14:hiddenLine xmlns:a14="http://schemas.microsoft.com/office/drawing/2010/main" xmlns="" w="12700" cap="sq">
                 <a:solidFill>
                   <a:srgbClr val="000000"/>
                 </a:solidFill>
@@ -24604,7 +24608,7 @@
           </a:ln>
           <a:extLst>
             <a:ext uri="{91240B29-F687-4f45-9708-019B960494DF}">
-              <a14:hiddenLine xmlns="" xmlns:a14="http://schemas.microsoft.com/office/drawing/2010/main" w="12700" cap="sq">
+              <a14:hiddenLine xmlns:a14="http://schemas.microsoft.com/office/drawing/2010/main" xmlns="" w="12700" cap="sq">
                 <a:solidFill>
                   <a:srgbClr val="000000"/>
                 </a:solidFill>
@@ -24785,7 +24789,7 @@
           </a:ln>
           <a:extLst>
             <a:ext uri="{91240B29-F687-4f45-9708-019B960494DF}">
-              <a14:hiddenLine xmlns="" xmlns:a14="http://schemas.microsoft.com/office/drawing/2010/main" w="12700" cap="sq">
+              <a14:hiddenLine xmlns:a14="http://schemas.microsoft.com/office/drawing/2010/main" xmlns="" w="12700" cap="sq">
                 <a:solidFill>
                   <a:srgbClr val="000000"/>
                 </a:solidFill>
@@ -25624,14 +25628,14 @@
           <a:ln/>
           <a:extLst>
             <a:ext uri="{909E8E84-426E-40dd-AFC4-6F175D3DCCD1}">
-              <a14:hiddenFill xmlns:a14="http://schemas.microsoft.com/office/drawing/2010/main" xmlns="">
+              <a14:hiddenFill xmlns="" xmlns:a14="http://schemas.microsoft.com/office/drawing/2010/main">
                 <a:solidFill>
                   <a:srgbClr val="FFFFFF"/>
                 </a:solidFill>
               </a14:hiddenFill>
             </a:ext>
             <a:ext uri="{91240B29-F687-4f45-9708-019B960494DF}">
-              <a14:hiddenLine xmlns:a14="http://schemas.microsoft.com/office/drawing/2010/main" xmlns="" w="9525">
+              <a14:hiddenLine xmlns="" xmlns:a14="http://schemas.microsoft.com/office/drawing/2010/main" w="9525">
                 <a:solidFill>
                   <a:srgbClr val="000000"/>
                 </a:solidFill>
@@ -25790,14 +25794,14 @@
           </a:ln>
           <a:extLst>
             <a:ext uri="{909E8E84-426E-40dd-AFC4-6F175D3DCCD1}">
-              <a14:hiddenFill xmlns="" xmlns:a14="http://schemas.microsoft.com/office/drawing/2010/main">
+              <a14:hiddenFill xmlns:a14="http://schemas.microsoft.com/office/drawing/2010/main" xmlns="">
                 <a:solidFill>
                   <a:srgbClr val="FFFFFF"/>
                 </a:solidFill>
               </a14:hiddenFill>
             </a:ext>
             <a:ext uri="{91240B29-F687-4f45-9708-019B960494DF}">
-              <a14:hiddenLine xmlns="" xmlns:a14="http://schemas.microsoft.com/office/drawing/2010/main" w="9525">
+              <a14:hiddenLine xmlns:a14="http://schemas.microsoft.com/office/drawing/2010/main" xmlns="" w="9525">
                 <a:solidFill>
                   <a:srgbClr val="000000"/>
                 </a:solidFill>
@@ -25859,7 +25863,7 @@
           </a:ln>
           <a:extLst>
             <a:ext uri="{91240B29-F687-4f45-9708-019B960494DF}">
-              <a14:hiddenLine xmlns="" xmlns:a14="http://schemas.microsoft.com/office/drawing/2010/main" w="12700" cap="sq">
+              <a14:hiddenLine xmlns:a14="http://schemas.microsoft.com/office/drawing/2010/main" xmlns="" w="12700" cap="sq">
                 <a:solidFill>
                   <a:srgbClr val="000000"/>
                 </a:solidFill>
@@ -26038,14 +26042,14 @@
           </a:ln>
           <a:extLst>
             <a:ext uri="{909E8E84-426E-40dd-AFC4-6F175D3DCCD1}">
-              <a14:hiddenFill xmlns="" xmlns:a14="http://schemas.microsoft.com/office/drawing/2010/main">
+              <a14:hiddenFill xmlns:a14="http://schemas.microsoft.com/office/drawing/2010/main" xmlns="">
                 <a:solidFill>
                   <a:srgbClr val="FFFFFF"/>
                 </a:solidFill>
               </a14:hiddenFill>
             </a:ext>
             <a:ext uri="{91240B29-F687-4f45-9708-019B960494DF}">
-              <a14:hiddenLine xmlns="" xmlns:a14="http://schemas.microsoft.com/office/drawing/2010/main" w="9525">
+              <a14:hiddenLine xmlns:a14="http://schemas.microsoft.com/office/drawing/2010/main" xmlns="" w="9525">
                 <a:solidFill>
                   <a:srgbClr val="000000"/>
                 </a:solidFill>
@@ -26107,7 +26111,7 @@
           </a:ln>
           <a:extLst>
             <a:ext uri="{91240B29-F687-4f45-9708-019B960494DF}">
-              <a14:hiddenLine xmlns="" xmlns:a14="http://schemas.microsoft.com/office/drawing/2010/main" w="12700" cap="sq">
+              <a14:hiddenLine xmlns:a14="http://schemas.microsoft.com/office/drawing/2010/main" xmlns="" w="12700" cap="sq">
                 <a:solidFill>
                   <a:srgbClr val="000000"/>
                 </a:solidFill>
@@ -26276,14 +26280,14 @@
           </a:ln>
           <a:extLst>
             <a:ext uri="{909E8E84-426E-40dd-AFC4-6F175D3DCCD1}">
-              <a14:hiddenFill xmlns="" xmlns:a14="http://schemas.microsoft.com/office/drawing/2010/main">
+              <a14:hiddenFill xmlns:a14="http://schemas.microsoft.com/office/drawing/2010/main" xmlns="">
                 <a:solidFill>
                   <a:srgbClr val="FFFFFF"/>
                 </a:solidFill>
               </a14:hiddenFill>
             </a:ext>
             <a:ext uri="{91240B29-F687-4f45-9708-019B960494DF}">
-              <a14:hiddenLine xmlns="" xmlns:a14="http://schemas.microsoft.com/office/drawing/2010/main" w="9525">
+              <a14:hiddenLine xmlns:a14="http://schemas.microsoft.com/office/drawing/2010/main" xmlns="" w="9525">
                 <a:solidFill>
                   <a:srgbClr val="000000"/>
                 </a:solidFill>
@@ -26345,7 +26349,7 @@
           </a:ln>
           <a:extLst>
             <a:ext uri="{91240B29-F687-4f45-9708-019B960494DF}">
-              <a14:hiddenLine xmlns="" xmlns:a14="http://schemas.microsoft.com/office/drawing/2010/main" w="12700" cap="sq">
+              <a14:hiddenLine xmlns:a14="http://schemas.microsoft.com/office/drawing/2010/main" xmlns="" w="12700" cap="sq">
                 <a:solidFill>
                   <a:srgbClr val="000000"/>
                 </a:solidFill>
@@ -27102,14 +27106,14 @@
           <a:ln/>
           <a:extLst>
             <a:ext uri="{909E8E84-426E-40dd-AFC4-6F175D3DCCD1}">
-              <a14:hiddenFill xmlns="" xmlns:a14="http://schemas.microsoft.com/office/drawing/2010/main">
+              <a14:hiddenFill xmlns:a14="http://schemas.microsoft.com/office/drawing/2010/main" xmlns="">
                 <a:solidFill>
                   <a:srgbClr val="FFFFFF"/>
                 </a:solidFill>
               </a14:hiddenFill>
             </a:ext>
             <a:ext uri="{91240B29-F687-4f45-9708-019B960494DF}">
-              <a14:hiddenLine xmlns="" xmlns:a14="http://schemas.microsoft.com/office/drawing/2010/main" w="9525">
+              <a14:hiddenLine xmlns:a14="http://schemas.microsoft.com/office/drawing/2010/main" xmlns="" w="9525">
                 <a:solidFill>
                   <a:srgbClr val="000000"/>
                 </a:solidFill>
@@ -27268,14 +27272,14 @@
           </a:ln>
           <a:extLst>
             <a:ext uri="{909E8E84-426E-40dd-AFC4-6F175D3DCCD1}">
-              <a14:hiddenFill xmlns="" xmlns:a14="http://schemas.microsoft.com/office/drawing/2010/main">
+              <a14:hiddenFill xmlns:a14="http://schemas.microsoft.com/office/drawing/2010/main" xmlns="">
                 <a:solidFill>
                   <a:srgbClr val="FFFFFF"/>
                 </a:solidFill>
               </a14:hiddenFill>
             </a:ext>
             <a:ext uri="{91240B29-F687-4f45-9708-019B960494DF}">
-              <a14:hiddenLine xmlns="" xmlns:a14="http://schemas.microsoft.com/office/drawing/2010/main" w="9525">
+              <a14:hiddenLine xmlns:a14="http://schemas.microsoft.com/office/drawing/2010/main" xmlns="" w="9525">
                 <a:solidFill>
                   <a:srgbClr val="000000"/>
                 </a:solidFill>
@@ -27337,7 +27341,7 @@
           </a:ln>
           <a:extLst>
             <a:ext uri="{91240B29-F687-4f45-9708-019B960494DF}">
-              <a14:hiddenLine xmlns="" xmlns:a14="http://schemas.microsoft.com/office/drawing/2010/main" w="12700" cap="sq">
+              <a14:hiddenLine xmlns:a14="http://schemas.microsoft.com/office/drawing/2010/main" xmlns="" w="12700" cap="sq">
                 <a:solidFill>
                   <a:srgbClr val="000000"/>
                 </a:solidFill>
@@ -27516,14 +27520,14 @@
           </a:ln>
           <a:extLst>
             <a:ext uri="{909E8E84-426E-40dd-AFC4-6F175D3DCCD1}">
-              <a14:hiddenFill xmlns="" xmlns:a14="http://schemas.microsoft.com/office/drawing/2010/main">
+              <a14:hiddenFill xmlns:a14="http://schemas.microsoft.com/office/drawing/2010/main" xmlns="">
                 <a:solidFill>
                   <a:srgbClr val="FFFFFF"/>
                 </a:solidFill>
               </a14:hiddenFill>
             </a:ext>
             <a:ext uri="{91240B29-F687-4f45-9708-019B960494DF}">
-              <a14:hiddenLine xmlns="" xmlns:a14="http://schemas.microsoft.com/office/drawing/2010/main" w="9525">
+              <a14:hiddenLine xmlns:a14="http://schemas.microsoft.com/office/drawing/2010/main" xmlns="" w="9525">
                 <a:solidFill>
                   <a:srgbClr val="000000"/>
                 </a:solidFill>
@@ -27585,7 +27589,7 @@
           </a:ln>
           <a:extLst>
             <a:ext uri="{91240B29-F687-4f45-9708-019B960494DF}">
-              <a14:hiddenLine xmlns="" xmlns:a14="http://schemas.microsoft.com/office/drawing/2010/main" w="12700" cap="sq">
+              <a14:hiddenLine xmlns:a14="http://schemas.microsoft.com/office/drawing/2010/main" xmlns="" w="12700" cap="sq">
                 <a:solidFill>
                   <a:srgbClr val="000000"/>
                 </a:solidFill>
@@ -27764,14 +27768,14 @@
           </a:ln>
           <a:extLst>
             <a:ext uri="{909E8E84-426E-40dd-AFC4-6F175D3DCCD1}">
-              <a14:hiddenFill xmlns="" xmlns:a14="http://schemas.microsoft.com/office/drawing/2010/main">
+              <a14:hiddenFill xmlns:a14="http://schemas.microsoft.com/office/drawing/2010/main" xmlns="">
                 <a:solidFill>
                   <a:srgbClr val="FFFFFF"/>
                 </a:solidFill>
               </a14:hiddenFill>
             </a:ext>
             <a:ext uri="{91240B29-F687-4f45-9708-019B960494DF}">
-              <a14:hiddenLine xmlns="" xmlns:a14="http://schemas.microsoft.com/office/drawing/2010/main" w="9525">
+              <a14:hiddenLine xmlns:a14="http://schemas.microsoft.com/office/drawing/2010/main" xmlns="" w="9525">
                 <a:solidFill>
                   <a:srgbClr val="000000"/>
                 </a:solidFill>
@@ -27833,7 +27837,7 @@
           </a:ln>
           <a:extLst>
             <a:ext uri="{91240B29-F687-4f45-9708-019B960494DF}">
-              <a14:hiddenLine xmlns="" xmlns:a14="http://schemas.microsoft.com/office/drawing/2010/main" w="12700" cap="sq">
+              <a14:hiddenLine xmlns:a14="http://schemas.microsoft.com/office/drawing/2010/main" xmlns="" w="12700" cap="sq">
                 <a:solidFill>
                   <a:srgbClr val="000000"/>
                 </a:solidFill>
@@ -28590,14 +28594,14 @@
           <a:ln/>
           <a:extLst>
             <a:ext uri="{909E8E84-426E-40dd-AFC4-6F175D3DCCD1}">
-              <a14:hiddenFill xmlns:a14="http://schemas.microsoft.com/office/drawing/2010/main" xmlns="">
+              <a14:hiddenFill xmlns="" xmlns:a14="http://schemas.microsoft.com/office/drawing/2010/main">
                 <a:solidFill>
                   <a:srgbClr val="FFFFFF"/>
                 </a:solidFill>
               </a14:hiddenFill>
             </a:ext>
             <a:ext uri="{91240B29-F687-4f45-9708-019B960494DF}">
-              <a14:hiddenLine xmlns:a14="http://schemas.microsoft.com/office/drawing/2010/main" xmlns="" w="9525">
+              <a14:hiddenLine xmlns="" xmlns:a14="http://schemas.microsoft.com/office/drawing/2010/main" w="9525">
                 <a:solidFill>
                   <a:srgbClr val="000000"/>
                 </a:solidFill>
@@ -28756,14 +28760,14 @@
           </a:ln>
           <a:extLst>
             <a:ext uri="{909E8E84-426E-40dd-AFC4-6F175D3DCCD1}">
-              <a14:hiddenFill xmlns="" xmlns:a14="http://schemas.microsoft.com/office/drawing/2010/main">
+              <a14:hiddenFill xmlns:a14="http://schemas.microsoft.com/office/drawing/2010/main" xmlns="">
                 <a:solidFill>
                   <a:srgbClr val="FFFFFF"/>
                 </a:solidFill>
               </a14:hiddenFill>
             </a:ext>
             <a:ext uri="{91240B29-F687-4f45-9708-019B960494DF}">
-              <a14:hiddenLine xmlns="" xmlns:a14="http://schemas.microsoft.com/office/drawing/2010/main" w="9525">
+              <a14:hiddenLine xmlns:a14="http://schemas.microsoft.com/office/drawing/2010/main" xmlns="" w="9525">
                 <a:solidFill>
                   <a:srgbClr val="000000"/>
                 </a:solidFill>
@@ -28825,7 +28829,7 @@
           </a:ln>
           <a:extLst>
             <a:ext uri="{91240B29-F687-4f45-9708-019B960494DF}">
-              <a14:hiddenLine xmlns="" xmlns:a14="http://schemas.microsoft.com/office/drawing/2010/main" w="12700" cap="sq">
+              <a14:hiddenLine xmlns:a14="http://schemas.microsoft.com/office/drawing/2010/main" xmlns="" w="12700" cap="sq">
                 <a:solidFill>
                   <a:srgbClr val="000000"/>
                 </a:solidFill>
@@ -29004,14 +29008,14 @@
           </a:ln>
           <a:extLst>
             <a:ext uri="{909E8E84-426E-40dd-AFC4-6F175D3DCCD1}">
-              <a14:hiddenFill xmlns="" xmlns:a14="http://schemas.microsoft.com/office/drawing/2010/main">
+              <a14:hiddenFill xmlns:a14="http://schemas.microsoft.com/office/drawing/2010/main" xmlns="">
                 <a:solidFill>
                   <a:srgbClr val="FFFFFF"/>
                 </a:solidFill>
               </a14:hiddenFill>
             </a:ext>
             <a:ext uri="{91240B29-F687-4f45-9708-019B960494DF}">
-              <a14:hiddenLine xmlns="" xmlns:a14="http://schemas.microsoft.com/office/drawing/2010/main" w="9525">
+              <a14:hiddenLine xmlns:a14="http://schemas.microsoft.com/office/drawing/2010/main" xmlns="" w="9525">
                 <a:solidFill>
                   <a:srgbClr val="000000"/>
                 </a:solidFill>
@@ -29073,7 +29077,7 @@
           </a:ln>
           <a:extLst>
             <a:ext uri="{91240B29-F687-4f45-9708-019B960494DF}">
-              <a14:hiddenLine xmlns="" xmlns:a14="http://schemas.microsoft.com/office/drawing/2010/main" w="12700" cap="sq">
+              <a14:hiddenLine xmlns:a14="http://schemas.microsoft.com/office/drawing/2010/main" xmlns="" w="12700" cap="sq">
                 <a:solidFill>
                   <a:srgbClr val="000000"/>
                 </a:solidFill>
@@ -29669,14 +29673,14 @@
           <a:ln/>
           <a:extLst>
             <a:ext uri="{909E8E84-426E-40dd-AFC4-6F175D3DCCD1}">
-              <a14:hiddenFill xmlns="" xmlns:a14="http://schemas.microsoft.com/office/drawing/2010/main">
+              <a14:hiddenFill xmlns:a14="http://schemas.microsoft.com/office/drawing/2010/main" xmlns="">
                 <a:solidFill>
                   <a:srgbClr val="FFFFFF"/>
                 </a:solidFill>
               </a14:hiddenFill>
             </a:ext>
             <a:ext uri="{91240B29-F687-4f45-9708-019B960494DF}">
-              <a14:hiddenLine xmlns="" xmlns:a14="http://schemas.microsoft.com/office/drawing/2010/main" w="9525">
+              <a14:hiddenLine xmlns:a14="http://schemas.microsoft.com/office/drawing/2010/main" xmlns="" w="9525">
                 <a:solidFill>
                   <a:srgbClr val="000000"/>
                 </a:solidFill>
@@ -29831,7 +29835,7 @@
           </a:ln>
           <a:extLst>
             <a:ext uri="{91240B29-F687-4f45-9708-019B960494DF}">
-              <a14:hiddenLine xmlns="" xmlns:a14="http://schemas.microsoft.com/office/drawing/2010/main" w="12700" cap="sq">
+              <a14:hiddenLine xmlns:a14="http://schemas.microsoft.com/office/drawing/2010/main" xmlns="" w="12700" cap="sq">
                 <a:solidFill>
                   <a:srgbClr val="000000"/>
                 </a:solidFill>
@@ -30015,7 +30019,7 @@
           </a:ln>
           <a:extLst>
             <a:ext uri="{909E8E84-426E-40dd-AFC4-6F175D3DCCD1}">
-              <a14:hiddenFill xmlns="" xmlns:a14="http://schemas.microsoft.com/office/drawing/2010/main">
+              <a14:hiddenFill xmlns:a14="http://schemas.microsoft.com/office/drawing/2010/main" xmlns="">
                 <a:solidFill>
                   <a:srgbClr val="FFFFFF"/>
                 </a:solidFill>
@@ -30127,7 +30131,7 @@
           </a:ln>
           <a:extLst>
             <a:ext uri="{91240B29-F687-4f45-9708-019B960494DF}">
-              <a14:hiddenLine xmlns="" xmlns:a14="http://schemas.microsoft.com/office/drawing/2010/main" w="12700" cap="sq">
+              <a14:hiddenLine xmlns:a14="http://schemas.microsoft.com/office/drawing/2010/main" xmlns="" w="12700" cap="sq">
                 <a:solidFill>
                   <a:srgbClr val="000000"/>
                 </a:solidFill>
